--- a/Desarrollo Seccion B.pptx
+++ b/Desarrollo Seccion B.pptx
@@ -118,6 +118,11 @@
       </a:defRPr>
     </a:lvl9pPr>
   </p:defaultTextStyle>
+  <p:extLst>
+    <p:ext uri="{EFAFB233-063F-42B5-8137-9DF3F51BA10A}">
+      <p15:sldGuideLst xmlns:p15="http://schemas.microsoft.com/office/powerpoint/2012/main"/>
+    </p:ext>
+  </p:extLst>
 </p:presentation>
 </file>
 
@@ -163,7 +168,7 @@
           </a:lstStyle>
           <a:p>
             <a:r>
-              <a:rPr lang="es-ES" smtClean="0"/>
+              <a:rPr lang="es-ES"/>
               <a:t>Haga clic para modificar el estilo de título del patrón</a:t>
             </a:r>
             <a:endParaRPr lang="en-US"/>
@@ -228,7 +233,7 @@
           </a:lstStyle>
           <a:p>
             <a:r>
-              <a:rPr lang="es-ES" smtClean="0"/>
+              <a:rPr lang="es-ES"/>
               <a:t>Haga clic para editar el estilo de subtítulo del patrón</a:t>
             </a:r>
             <a:endParaRPr lang="en-US"/>
@@ -252,7 +257,7 @@
           <a:p>
             <a:fld id="{532C0000-EA4E-41BE-B22E-5140D64BA3A7}" type="datetimeFigureOut">
               <a:rPr lang="en-US" smtClean="0"/>
-              <a:t>9/10/2021</a:t>
+              <a:t>11/9/2021</a:t>
             </a:fld>
             <a:endParaRPr lang="en-US"/>
           </a:p>
@@ -346,7 +351,7 @@
           <a:lstStyle/>
           <a:p>
             <a:r>
-              <a:rPr lang="es-ES" smtClean="0"/>
+              <a:rPr lang="es-ES"/>
               <a:t>Haga clic para modificar el estilo de título del patrón</a:t>
             </a:r>
             <a:endParaRPr lang="en-US"/>
@@ -370,35 +375,35 @@
           <a:p>
             <a:pPr lvl="0"/>
             <a:r>
-              <a:rPr lang="es-ES" smtClean="0"/>
+              <a:rPr lang="es-ES"/>
               <a:t>Editar el estilo de texto del patrón</a:t>
             </a:r>
           </a:p>
           <a:p>
             <a:pPr lvl="1"/>
             <a:r>
-              <a:rPr lang="es-ES" smtClean="0"/>
+              <a:rPr lang="es-ES"/>
               <a:t>Segundo nivel</a:t>
             </a:r>
           </a:p>
           <a:p>
             <a:pPr lvl="2"/>
             <a:r>
-              <a:rPr lang="es-ES" smtClean="0"/>
+              <a:rPr lang="es-ES"/>
               <a:t>Tercer nivel</a:t>
             </a:r>
           </a:p>
           <a:p>
             <a:pPr lvl="3"/>
             <a:r>
-              <a:rPr lang="es-ES" smtClean="0"/>
+              <a:rPr lang="es-ES"/>
               <a:t>Cuarto nivel</a:t>
             </a:r>
           </a:p>
           <a:p>
             <a:pPr lvl="4"/>
             <a:r>
-              <a:rPr lang="es-ES" smtClean="0"/>
+              <a:rPr lang="es-ES"/>
               <a:t>Quinto nivel</a:t>
             </a:r>
             <a:endParaRPr lang="en-US"/>
@@ -422,7 +427,7 @@
           <a:p>
             <a:fld id="{532C0000-EA4E-41BE-B22E-5140D64BA3A7}" type="datetimeFigureOut">
               <a:rPr lang="en-US" smtClean="0"/>
-              <a:t>9/10/2021</a:t>
+              <a:t>11/9/2021</a:t>
             </a:fld>
             <a:endParaRPr lang="en-US"/>
           </a:p>
@@ -521,7 +526,7 @@
           <a:lstStyle/>
           <a:p>
             <a:r>
-              <a:rPr lang="es-ES" smtClean="0"/>
+              <a:rPr lang="es-ES"/>
               <a:t>Haga clic para modificar el estilo de título del patrón</a:t>
             </a:r>
             <a:endParaRPr lang="en-US"/>
@@ -550,35 +555,35 @@
           <a:p>
             <a:pPr lvl="0"/>
             <a:r>
-              <a:rPr lang="es-ES" smtClean="0"/>
+              <a:rPr lang="es-ES"/>
               <a:t>Editar el estilo de texto del patrón</a:t>
             </a:r>
           </a:p>
           <a:p>
             <a:pPr lvl="1"/>
             <a:r>
-              <a:rPr lang="es-ES" smtClean="0"/>
+              <a:rPr lang="es-ES"/>
               <a:t>Segundo nivel</a:t>
             </a:r>
           </a:p>
           <a:p>
             <a:pPr lvl="2"/>
             <a:r>
-              <a:rPr lang="es-ES" smtClean="0"/>
+              <a:rPr lang="es-ES"/>
               <a:t>Tercer nivel</a:t>
             </a:r>
           </a:p>
           <a:p>
             <a:pPr lvl="3"/>
             <a:r>
-              <a:rPr lang="es-ES" smtClean="0"/>
+              <a:rPr lang="es-ES"/>
               <a:t>Cuarto nivel</a:t>
             </a:r>
           </a:p>
           <a:p>
             <a:pPr lvl="4"/>
             <a:r>
-              <a:rPr lang="es-ES" smtClean="0"/>
+              <a:rPr lang="es-ES"/>
               <a:t>Quinto nivel</a:t>
             </a:r>
             <a:endParaRPr lang="en-US"/>
@@ -602,7 +607,7 @@
           <a:p>
             <a:fld id="{532C0000-EA4E-41BE-B22E-5140D64BA3A7}" type="datetimeFigureOut">
               <a:rPr lang="en-US" smtClean="0"/>
-              <a:t>9/10/2021</a:t>
+              <a:t>11/9/2021</a:t>
             </a:fld>
             <a:endParaRPr lang="en-US"/>
           </a:p>
@@ -1821,7 +1826,7 @@
           <a:p>
             <a:fld id="{2ECEA801-10FE-CD45-A14A-08680F041701}" type="datetimeFigureOut">
               <a:rPr lang="es-CO" smtClean="0"/>
-              <a:t>10/09/2021</a:t>
+              <a:t>11/09/2021</a:t>
             </a:fld>
             <a:endParaRPr lang="es-CO"/>
           </a:p>
@@ -1915,7 +1920,7 @@
           <a:lstStyle/>
           <a:p>
             <a:r>
-              <a:rPr lang="es-ES" smtClean="0"/>
+              <a:rPr lang="es-ES"/>
               <a:t>Haga clic para modificar el estilo de título del patrón</a:t>
             </a:r>
             <a:endParaRPr lang="en-US"/>
@@ -1939,35 +1944,35 @@
           <a:p>
             <a:pPr lvl="0"/>
             <a:r>
-              <a:rPr lang="es-ES" smtClean="0"/>
+              <a:rPr lang="es-ES"/>
               <a:t>Editar el estilo de texto del patrón</a:t>
             </a:r>
           </a:p>
           <a:p>
             <a:pPr lvl="1"/>
             <a:r>
-              <a:rPr lang="es-ES" smtClean="0"/>
+              <a:rPr lang="es-ES"/>
               <a:t>Segundo nivel</a:t>
             </a:r>
           </a:p>
           <a:p>
             <a:pPr lvl="2"/>
             <a:r>
-              <a:rPr lang="es-ES" smtClean="0"/>
+              <a:rPr lang="es-ES"/>
               <a:t>Tercer nivel</a:t>
             </a:r>
           </a:p>
           <a:p>
             <a:pPr lvl="3"/>
             <a:r>
-              <a:rPr lang="es-ES" smtClean="0"/>
+              <a:rPr lang="es-ES"/>
               <a:t>Cuarto nivel</a:t>
             </a:r>
           </a:p>
           <a:p>
             <a:pPr lvl="4"/>
             <a:r>
-              <a:rPr lang="es-ES" smtClean="0"/>
+              <a:rPr lang="es-ES"/>
               <a:t>Quinto nivel</a:t>
             </a:r>
             <a:endParaRPr lang="en-US"/>
@@ -1991,7 +1996,7 @@
           <a:p>
             <a:fld id="{532C0000-EA4E-41BE-B22E-5140D64BA3A7}" type="datetimeFigureOut">
               <a:rPr lang="en-US" smtClean="0"/>
-              <a:t>9/10/2021</a:t>
+              <a:t>11/9/2021</a:t>
             </a:fld>
             <a:endParaRPr lang="en-US"/>
           </a:p>
@@ -2094,7 +2099,7 @@
           </a:lstStyle>
           <a:p>
             <a:r>
-              <a:rPr lang="es-ES" smtClean="0"/>
+              <a:rPr lang="es-ES"/>
               <a:t>Haga clic para modificar el estilo de título del patrón</a:t>
             </a:r>
             <a:endParaRPr lang="en-US"/>
@@ -2214,7 +2219,7 @@
           <a:p>
             <a:pPr lvl="0"/>
             <a:r>
-              <a:rPr lang="es-ES" smtClean="0"/>
+              <a:rPr lang="es-ES"/>
               <a:t>Editar el estilo de texto del patrón</a:t>
             </a:r>
           </a:p>
@@ -2237,7 +2242,7 @@
           <a:p>
             <a:fld id="{532C0000-EA4E-41BE-B22E-5140D64BA3A7}" type="datetimeFigureOut">
               <a:rPr lang="en-US" smtClean="0"/>
-              <a:t>9/10/2021</a:t>
+              <a:t>11/9/2021</a:t>
             </a:fld>
             <a:endParaRPr lang="en-US"/>
           </a:p>
@@ -2331,7 +2336,7 @@
           <a:lstStyle/>
           <a:p>
             <a:r>
-              <a:rPr lang="es-ES" smtClean="0"/>
+              <a:rPr lang="es-ES"/>
               <a:t>Haga clic para modificar el estilo de título del patrón</a:t>
             </a:r>
             <a:endParaRPr lang="en-US"/>
@@ -2360,35 +2365,35 @@
           <a:p>
             <a:pPr lvl="0"/>
             <a:r>
-              <a:rPr lang="es-ES" smtClean="0"/>
+              <a:rPr lang="es-ES"/>
               <a:t>Editar el estilo de texto del patrón</a:t>
             </a:r>
           </a:p>
           <a:p>
             <a:pPr lvl="1"/>
             <a:r>
-              <a:rPr lang="es-ES" smtClean="0"/>
+              <a:rPr lang="es-ES"/>
               <a:t>Segundo nivel</a:t>
             </a:r>
           </a:p>
           <a:p>
             <a:pPr lvl="2"/>
             <a:r>
-              <a:rPr lang="es-ES" smtClean="0"/>
+              <a:rPr lang="es-ES"/>
               <a:t>Tercer nivel</a:t>
             </a:r>
           </a:p>
           <a:p>
             <a:pPr lvl="3"/>
             <a:r>
-              <a:rPr lang="es-ES" smtClean="0"/>
+              <a:rPr lang="es-ES"/>
               <a:t>Cuarto nivel</a:t>
             </a:r>
           </a:p>
           <a:p>
             <a:pPr lvl="4"/>
             <a:r>
-              <a:rPr lang="es-ES" smtClean="0"/>
+              <a:rPr lang="es-ES"/>
               <a:t>Quinto nivel</a:t>
             </a:r>
             <a:endParaRPr lang="en-US"/>
@@ -2417,35 +2422,35 @@
           <a:p>
             <a:pPr lvl="0"/>
             <a:r>
-              <a:rPr lang="es-ES" smtClean="0"/>
+              <a:rPr lang="es-ES"/>
               <a:t>Editar el estilo de texto del patrón</a:t>
             </a:r>
           </a:p>
           <a:p>
             <a:pPr lvl="1"/>
             <a:r>
-              <a:rPr lang="es-ES" smtClean="0"/>
+              <a:rPr lang="es-ES"/>
               <a:t>Segundo nivel</a:t>
             </a:r>
           </a:p>
           <a:p>
             <a:pPr lvl="2"/>
             <a:r>
-              <a:rPr lang="es-ES" smtClean="0"/>
+              <a:rPr lang="es-ES"/>
               <a:t>Tercer nivel</a:t>
             </a:r>
           </a:p>
           <a:p>
             <a:pPr lvl="3"/>
             <a:r>
-              <a:rPr lang="es-ES" smtClean="0"/>
+              <a:rPr lang="es-ES"/>
               <a:t>Cuarto nivel</a:t>
             </a:r>
           </a:p>
           <a:p>
             <a:pPr lvl="4"/>
             <a:r>
-              <a:rPr lang="es-ES" smtClean="0"/>
+              <a:rPr lang="es-ES"/>
               <a:t>Quinto nivel</a:t>
             </a:r>
             <a:endParaRPr lang="en-US"/>
@@ -2469,7 +2474,7 @@
           <a:p>
             <a:fld id="{532C0000-EA4E-41BE-B22E-5140D64BA3A7}" type="datetimeFigureOut">
               <a:rPr lang="en-US" smtClean="0"/>
-              <a:t>9/10/2021</a:t>
+              <a:t>11/9/2021</a:t>
             </a:fld>
             <a:endParaRPr lang="en-US"/>
           </a:p>
@@ -2568,7 +2573,7 @@
           <a:lstStyle/>
           <a:p>
             <a:r>
-              <a:rPr lang="es-ES" smtClean="0"/>
+              <a:rPr lang="es-ES"/>
               <a:t>Haga clic para modificar el estilo de título del patrón</a:t>
             </a:r>
             <a:endParaRPr lang="en-US"/>
@@ -2634,7 +2639,7 @@
           <a:p>
             <a:pPr lvl="0"/>
             <a:r>
-              <a:rPr lang="es-ES" smtClean="0"/>
+              <a:rPr lang="es-ES"/>
               <a:t>Editar el estilo de texto del patrón</a:t>
             </a:r>
           </a:p>
@@ -2662,35 +2667,35 @@
           <a:p>
             <a:pPr lvl="0"/>
             <a:r>
-              <a:rPr lang="es-ES" smtClean="0"/>
+              <a:rPr lang="es-ES"/>
               <a:t>Editar el estilo de texto del patrón</a:t>
             </a:r>
           </a:p>
           <a:p>
             <a:pPr lvl="1"/>
             <a:r>
-              <a:rPr lang="es-ES" smtClean="0"/>
+              <a:rPr lang="es-ES"/>
               <a:t>Segundo nivel</a:t>
             </a:r>
           </a:p>
           <a:p>
             <a:pPr lvl="2"/>
             <a:r>
-              <a:rPr lang="es-ES" smtClean="0"/>
+              <a:rPr lang="es-ES"/>
               <a:t>Tercer nivel</a:t>
             </a:r>
           </a:p>
           <a:p>
             <a:pPr lvl="3"/>
             <a:r>
-              <a:rPr lang="es-ES" smtClean="0"/>
+              <a:rPr lang="es-ES"/>
               <a:t>Cuarto nivel</a:t>
             </a:r>
           </a:p>
           <a:p>
             <a:pPr lvl="4"/>
             <a:r>
-              <a:rPr lang="es-ES" smtClean="0"/>
+              <a:rPr lang="es-ES"/>
               <a:t>Quinto nivel</a:t>
             </a:r>
             <a:endParaRPr lang="en-US"/>
@@ -2756,7 +2761,7 @@
           <a:p>
             <a:pPr lvl="0"/>
             <a:r>
-              <a:rPr lang="es-ES" smtClean="0"/>
+              <a:rPr lang="es-ES"/>
               <a:t>Editar el estilo de texto del patrón</a:t>
             </a:r>
           </a:p>
@@ -2784,35 +2789,35 @@
           <a:p>
             <a:pPr lvl="0"/>
             <a:r>
-              <a:rPr lang="es-ES" smtClean="0"/>
+              <a:rPr lang="es-ES"/>
               <a:t>Editar el estilo de texto del patrón</a:t>
             </a:r>
           </a:p>
           <a:p>
             <a:pPr lvl="1"/>
             <a:r>
-              <a:rPr lang="es-ES" smtClean="0"/>
+              <a:rPr lang="es-ES"/>
               <a:t>Segundo nivel</a:t>
             </a:r>
           </a:p>
           <a:p>
             <a:pPr lvl="2"/>
             <a:r>
-              <a:rPr lang="es-ES" smtClean="0"/>
+              <a:rPr lang="es-ES"/>
               <a:t>Tercer nivel</a:t>
             </a:r>
           </a:p>
           <a:p>
             <a:pPr lvl="3"/>
             <a:r>
-              <a:rPr lang="es-ES" smtClean="0"/>
+              <a:rPr lang="es-ES"/>
               <a:t>Cuarto nivel</a:t>
             </a:r>
           </a:p>
           <a:p>
             <a:pPr lvl="4"/>
             <a:r>
-              <a:rPr lang="es-ES" smtClean="0"/>
+              <a:rPr lang="es-ES"/>
               <a:t>Quinto nivel</a:t>
             </a:r>
             <a:endParaRPr lang="en-US"/>
@@ -2836,7 +2841,7 @@
           <a:p>
             <a:fld id="{532C0000-EA4E-41BE-B22E-5140D64BA3A7}" type="datetimeFigureOut">
               <a:rPr lang="en-US" smtClean="0"/>
-              <a:t>9/10/2021</a:t>
+              <a:t>11/9/2021</a:t>
             </a:fld>
             <a:endParaRPr lang="en-US"/>
           </a:p>
@@ -2930,7 +2935,7 @@
           <a:lstStyle/>
           <a:p>
             <a:r>
-              <a:rPr lang="es-ES" smtClean="0"/>
+              <a:rPr lang="es-ES"/>
               <a:t>Haga clic para modificar el estilo de título del patrón</a:t>
             </a:r>
             <a:endParaRPr lang="en-US"/>
@@ -2954,7 +2959,7 @@
           <a:p>
             <a:fld id="{532C0000-EA4E-41BE-B22E-5140D64BA3A7}" type="datetimeFigureOut">
               <a:rPr lang="en-US" smtClean="0"/>
-              <a:t>9/10/2021</a:t>
+              <a:t>11/9/2021</a:t>
             </a:fld>
             <a:endParaRPr lang="en-US"/>
           </a:p>
@@ -3049,7 +3054,7 @@
           <a:p>
             <a:fld id="{532C0000-EA4E-41BE-B22E-5140D64BA3A7}" type="datetimeFigureOut">
               <a:rPr lang="en-US" smtClean="0"/>
-              <a:t>9/10/2021</a:t>
+              <a:t>11/9/2021</a:t>
             </a:fld>
             <a:endParaRPr lang="en-US"/>
           </a:p>
@@ -3152,7 +3157,7 @@
           </a:lstStyle>
           <a:p>
             <a:r>
-              <a:rPr lang="es-ES" smtClean="0"/>
+              <a:rPr lang="es-ES"/>
               <a:t>Haga clic para modificar el estilo de título del patrón</a:t>
             </a:r>
             <a:endParaRPr lang="en-US"/>
@@ -3209,35 +3214,35 @@
           <a:p>
             <a:pPr lvl="0"/>
             <a:r>
-              <a:rPr lang="es-ES" smtClean="0"/>
+              <a:rPr lang="es-ES"/>
               <a:t>Editar el estilo de texto del patrón</a:t>
             </a:r>
           </a:p>
           <a:p>
             <a:pPr lvl="1"/>
             <a:r>
-              <a:rPr lang="es-ES" smtClean="0"/>
+              <a:rPr lang="es-ES"/>
               <a:t>Segundo nivel</a:t>
             </a:r>
           </a:p>
           <a:p>
             <a:pPr lvl="2"/>
             <a:r>
-              <a:rPr lang="es-ES" smtClean="0"/>
+              <a:rPr lang="es-ES"/>
               <a:t>Tercer nivel</a:t>
             </a:r>
           </a:p>
           <a:p>
             <a:pPr lvl="3"/>
             <a:r>
-              <a:rPr lang="es-ES" smtClean="0"/>
+              <a:rPr lang="es-ES"/>
               <a:t>Cuarto nivel</a:t>
             </a:r>
           </a:p>
           <a:p>
             <a:pPr lvl="4"/>
             <a:r>
-              <a:rPr lang="es-ES" smtClean="0"/>
+              <a:rPr lang="es-ES"/>
               <a:t>Quinto nivel</a:t>
             </a:r>
             <a:endParaRPr lang="en-US"/>
@@ -3303,7 +3308,7 @@
           <a:p>
             <a:pPr lvl="0"/>
             <a:r>
-              <a:rPr lang="es-ES" smtClean="0"/>
+              <a:rPr lang="es-ES"/>
               <a:t>Editar el estilo de texto del patrón</a:t>
             </a:r>
           </a:p>
@@ -3326,7 +3331,7 @@
           <a:p>
             <a:fld id="{532C0000-EA4E-41BE-B22E-5140D64BA3A7}" type="datetimeFigureOut">
               <a:rPr lang="en-US" smtClean="0"/>
-              <a:t>9/10/2021</a:t>
+              <a:t>11/9/2021</a:t>
             </a:fld>
             <a:endParaRPr lang="en-US"/>
           </a:p>
@@ -3429,7 +3434,7 @@
           </a:lstStyle>
           <a:p>
             <a:r>
-              <a:rPr lang="es-ES" smtClean="0"/>
+              <a:rPr lang="es-ES"/>
               <a:t>Haga clic para modificar el estilo de título del patrón</a:t>
             </a:r>
             <a:endParaRPr lang="en-US"/>
@@ -3556,7 +3561,7 @@
           <a:p>
             <a:pPr lvl="0"/>
             <a:r>
-              <a:rPr lang="es-ES" smtClean="0"/>
+              <a:rPr lang="es-ES"/>
               <a:t>Editar el estilo de texto del patrón</a:t>
             </a:r>
           </a:p>
@@ -3579,7 +3584,7 @@
           <a:p>
             <a:fld id="{532C0000-EA4E-41BE-B22E-5140D64BA3A7}" type="datetimeFigureOut">
               <a:rPr lang="en-US" smtClean="0"/>
-              <a:t>9/10/2021</a:t>
+              <a:t>11/9/2021</a:t>
             </a:fld>
             <a:endParaRPr lang="en-US"/>
           </a:p>
@@ -3688,7 +3693,7 @@
           <a:lstStyle/>
           <a:p>
             <a:r>
-              <a:rPr lang="es-ES" smtClean="0"/>
+              <a:rPr lang="es-ES"/>
               <a:t>Haga clic para modificar el estilo de título del patrón</a:t>
             </a:r>
             <a:endParaRPr lang="en-US"/>
@@ -3722,35 +3727,35 @@
           <a:p>
             <a:pPr lvl="0"/>
             <a:r>
-              <a:rPr lang="es-ES" smtClean="0"/>
+              <a:rPr lang="es-ES"/>
               <a:t>Editar el estilo de texto del patrón</a:t>
             </a:r>
           </a:p>
           <a:p>
             <a:pPr lvl="1"/>
             <a:r>
-              <a:rPr lang="es-ES" smtClean="0"/>
+              <a:rPr lang="es-ES"/>
               <a:t>Segundo nivel</a:t>
             </a:r>
           </a:p>
           <a:p>
             <a:pPr lvl="2"/>
             <a:r>
-              <a:rPr lang="es-ES" smtClean="0"/>
+              <a:rPr lang="es-ES"/>
               <a:t>Tercer nivel</a:t>
             </a:r>
           </a:p>
           <a:p>
             <a:pPr lvl="3"/>
             <a:r>
-              <a:rPr lang="es-ES" smtClean="0"/>
+              <a:rPr lang="es-ES"/>
               <a:t>Cuarto nivel</a:t>
             </a:r>
           </a:p>
           <a:p>
             <a:pPr lvl="4"/>
             <a:r>
-              <a:rPr lang="es-ES" smtClean="0"/>
+              <a:rPr lang="es-ES"/>
               <a:t>Quinto nivel</a:t>
             </a:r>
             <a:endParaRPr lang="en-US"/>
@@ -3792,7 +3797,7 @@
           <a:p>
             <a:fld id="{532C0000-EA4E-41BE-B22E-5140D64BA3A7}" type="datetimeFigureOut">
               <a:rPr lang="en-US" smtClean="0"/>
-              <a:t>9/10/2021</a:t>
+              <a:t>11/9/2021</a:t>
             </a:fld>
             <a:endParaRPr lang="en-US"/>
           </a:p>
@@ -4238,7 +4243,7 @@
           </a:ln>
           <a:extLst>
             <a:ext uri="{C572A759-6A51-4108-AA02-DFA0A04FC94B}">
-              <ma14:wrappingTextBoxFlag xmlns:ma14="http://schemas.microsoft.com/office/mac/drawingml/2011/main" xmlns:a14="http://schemas.microsoft.com/office/drawing/2010/main" xmlns:m="http://schemas.openxmlformats.org/officeDocument/2006/math" xmlns="" val="1"/>
+              <ma14:wrappingTextBoxFlag xmlns="" xmlns:m="http://schemas.openxmlformats.org/officeDocument/2006/math" xmlns:a14="http://schemas.microsoft.com/office/drawing/2010/main" xmlns:ma14="http://schemas.microsoft.com/office/mac/drawingml/2011/main" val="1"/>
             </a:ext>
           </a:extLst>
         </p:spPr>
@@ -4277,7 +4282,7 @@
           </a:ln>
           <a:extLst>
             <a:ext uri="{C572A759-6A51-4108-AA02-DFA0A04FC94B}">
-              <ma14:wrappingTextBoxFlag xmlns:ma14="http://schemas.microsoft.com/office/mac/drawingml/2011/main" xmlns:a14="http://schemas.microsoft.com/office/drawing/2010/main" xmlns:m="http://schemas.openxmlformats.org/officeDocument/2006/math" xmlns="" val="1"/>
+              <ma14:wrappingTextBoxFlag xmlns="" xmlns:m="http://schemas.openxmlformats.org/officeDocument/2006/math" xmlns:a14="http://schemas.microsoft.com/office/drawing/2010/main" xmlns:ma14="http://schemas.microsoft.com/office/mac/drawingml/2011/main" val="1"/>
             </a:ext>
           </a:extLst>
         </p:spPr>
@@ -5268,7 +5273,7 @@
               <a:defRPr/>
             </a:pPr>
             <a:r>
-              <a:rPr kumimoji="0" lang="es-CO" sz="5000" b="0" i="0" u="none" strike="noStrike" kern="1200" cap="none" spc="0" normalizeH="0" baseline="0" noProof="0" dirty="0" smtClean="0">
+              <a:rPr kumimoji="0" lang="es-CO" sz="5000" b="0" i="0" u="none" strike="noStrike" kern="1200" cap="none" spc="0" normalizeH="0" baseline="0" noProof="0" dirty="0">
                 <a:ln>
                   <a:noFill/>
                 </a:ln>
@@ -5303,7 +5308,7 @@
               <a:defRPr/>
             </a:pPr>
             <a:r>
-              <a:rPr kumimoji="0" lang="es-CO" sz="5000" b="0" i="0" u="none" strike="noStrike" kern="1200" cap="none" spc="0" normalizeH="0" baseline="0" noProof="0" dirty="0" smtClean="0">
+              <a:rPr kumimoji="0" lang="es-CO" sz="5000" b="0" i="0" u="none" strike="noStrike" kern="1200" cap="none" spc="0" normalizeH="0" baseline="0" noProof="0" dirty="0">
                 <a:ln>
                   <a:noFill/>
                 </a:ln>
@@ -5338,7 +5343,7 @@
               <a:defRPr/>
             </a:pPr>
             <a:r>
-              <a:rPr lang="es-CO" sz="5000" dirty="0" smtClean="0">
+              <a:rPr lang="es-CO" sz="5000" dirty="0">
                 <a:solidFill>
                   <a:srgbClr val="FFFFFF"/>
                 </a:solidFill>
@@ -5348,7 +5353,7 @@
               <a:t>-William </a:t>
             </a:r>
             <a:r>
-              <a:rPr lang="es-CO" sz="5000" dirty="0" err="1" smtClean="0">
+              <a:rPr lang="es-CO" sz="5000" dirty="0" err="1">
                 <a:solidFill>
                   <a:srgbClr val="FFFFFF"/>
                 </a:solidFill>
@@ -5416,13 +5421,6 @@
     <a:masterClrMapping/>
   </p:clrMapOvr>
   <p:transition spd="med"/>
-  <p:timing>
-    <p:tnLst>
-      <p:par>
-        <p:cTn id="1" dur="indefinite" restart="never" nodeType="tmRoot"/>
-      </p:par>
-    </p:tnLst>
-  </p:timing>
 </p:sld>
 </file>
 
@@ -5793,7 +5791,7 @@
           <a:p>
             <a:pPr lvl="0"/>
             <a:r>
-              <a:rPr lang="es-CO" b="1" dirty="0" smtClean="0">
+              <a:rPr lang="es-CO" b="1" dirty="0">
                 <a:solidFill>
                   <a:srgbClr val="002060"/>
                 </a:solidFill>
@@ -5832,7 +5830,7 @@
           <a:lstStyle/>
           <a:p>
             <a:r>
-              <a:rPr lang="es-CO" dirty="0" smtClean="0">
+              <a:rPr lang="es-CO" dirty="0">
                 <a:latin typeface="Arial Narrow" panose="020B0606020202030204" pitchFamily="34" charset="0"/>
               </a:rPr>
               <a:t>Programación lineal (LP)</a:t>
@@ -5840,7 +5838,7 @@
           </a:p>
           <a:p>
             <a:r>
-              <a:rPr lang="es-CO" dirty="0" smtClean="0">
+              <a:rPr lang="es-CO" dirty="0">
                 <a:latin typeface="Arial Narrow" panose="020B0606020202030204" pitchFamily="34" charset="0"/>
               </a:rPr>
               <a:t>Simplex</a:t>
@@ -5853,31 +5851,31 @@
           </a:p>
           <a:p>
             <a:r>
-              <a:rPr lang="es-CO" dirty="0" smtClean="0">
+              <a:rPr lang="es-CO" dirty="0">
                 <a:latin typeface="Arial Narrow" panose="020B0606020202030204" pitchFamily="34" charset="0"/>
               </a:rPr>
               <a:t>Uso de la librería </a:t>
             </a:r>
             <a:r>
-              <a:rPr lang="es-CO" dirty="0" err="1" smtClean="0">
+              <a:rPr lang="es-CO" dirty="0" err="1">
                 <a:latin typeface="Arial Narrow" panose="020B0606020202030204" pitchFamily="34" charset="0"/>
               </a:rPr>
               <a:t>scipy</a:t>
             </a:r>
             <a:r>
-              <a:rPr lang="es-CO" dirty="0" smtClean="0">
+              <a:rPr lang="es-CO" dirty="0">
                 <a:latin typeface="Arial Narrow" panose="020B0606020202030204" pitchFamily="34" charset="0"/>
               </a:rPr>
               <a:t> o </a:t>
             </a:r>
             <a:r>
-              <a:rPr lang="es-CO" dirty="0" err="1" smtClean="0">
+              <a:rPr lang="es-CO" dirty="0" err="1">
                 <a:latin typeface="Arial Narrow" panose="020B0606020202030204" pitchFamily="34" charset="0"/>
               </a:rPr>
               <a:t>pulp</a:t>
             </a:r>
             <a:r>
-              <a:rPr lang="es-CO" dirty="0" smtClean="0">
+              <a:rPr lang="es-CO" dirty="0">
                 <a:latin typeface="Arial Narrow" panose="020B0606020202030204" pitchFamily="34" charset="0"/>
               </a:rPr>
               <a:t> en Python:</a:t>
@@ -5890,7 +5888,7 @@
           </a:p>
           <a:p>
             <a:r>
-              <a:rPr lang="es-CO" dirty="0" smtClean="0">
+              <a:rPr lang="es-CO" dirty="0">
                 <a:latin typeface="Arial Narrow" panose="020B0606020202030204" pitchFamily="34" charset="0"/>
               </a:rPr>
               <a:t>Algo similar a:</a:t>
@@ -6302,7 +6300,7 @@
           <a:p>
             <a:pPr lvl="0"/>
             <a:r>
-              <a:rPr lang="es-CO" b="1" dirty="0" smtClean="0">
+              <a:rPr lang="es-CO" b="1" dirty="0">
                 <a:solidFill>
                   <a:srgbClr val="002060"/>
                 </a:solidFill>
@@ -6342,16 +6340,8 @@
           <a:p>
             <a:pPr lvl="0"/>
             <a:r>
-              <a:rPr lang="es-CO" sz="1200" dirty="0" smtClean="0"/>
-              <a:t>Tiempo </a:t>
-            </a:r>
-            <a:r>
               <a:rPr lang="es-CO" sz="1200" dirty="0"/>
-              <a:t>medio de duración por paleta en la </a:t>
-            </a:r>
-            <a:r>
-              <a:rPr lang="es-CO" sz="1200" dirty="0" smtClean="0"/>
-              <a:t>maquina</a:t>
+              <a:t>Tiempo medio de duración por paleta en la maquina</a:t>
             </a:r>
             <a:endParaRPr lang="en-US" sz="1200" dirty="0"/>
           </a:p>
@@ -6452,10 +6442,9 @@
           <a:p>
             <a:pPr lvl="0"/>
             <a:r>
-              <a:rPr lang="es-CO" sz="1200" dirty="0" smtClean="0"/>
+              <a:rPr lang="es-CO" sz="1200" dirty="0"/>
               <a:t>Rotación de paletas por maquina (Cantidad promedio de paletas demandadas por máquina y por día)</a:t>
             </a:r>
-            <a:endParaRPr lang="es-CO" sz="1200" dirty="0" smtClean="0"/>
           </a:p>
         </p:txBody>
       </p:sp>
@@ -6485,10 +6474,9 @@
               <a:buChar char="•"/>
             </a:pPr>
             <a:r>
-              <a:rPr lang="es-CO" sz="1200" dirty="0" smtClean="0"/>
+              <a:rPr lang="es-CO" sz="1200" dirty="0"/>
               <a:t>Cantidad de envíos totales realizados por maquina (cuanto se ha pagado por trasporte)</a:t>
             </a:r>
-            <a:endParaRPr lang="es-CO" sz="1200" dirty="0" smtClean="0"/>
           </a:p>
         </p:txBody>
       </p:sp>
@@ -6518,7 +6506,7 @@
               <a:buChar char="•"/>
             </a:pPr>
             <a:r>
-              <a:rPr lang="es-CO" sz="1200" dirty="0" smtClean="0"/>
+              <a:rPr lang="es-CO" sz="1200" dirty="0"/>
               <a:t>Costo total de servicio de la maquina (cuanto se ha pagado por gasto energético)</a:t>
             </a:r>
             <a:endParaRPr lang="en-US" sz="1200" dirty="0"/>
@@ -6627,7 +6615,7 @@
           <a:lstStyle/>
           <a:p>
             <a:r>
-              <a:rPr lang="es-CO" dirty="0" smtClean="0">
+              <a:rPr lang="es-CO" dirty="0">
                 <a:latin typeface="Arial Narrow" panose="020B0606020202030204" pitchFamily="34" charset="0"/>
               </a:rPr>
               <a:t>En principio 4:</a:t>
@@ -6661,7 +6649,7 @@
               <a:buChar char="•"/>
             </a:pPr>
             <a:r>
-              <a:rPr lang="es-CO" dirty="0" smtClean="0">
+              <a:rPr lang="es-CO" dirty="0">
                 <a:latin typeface="Arial Narrow" panose="020B0606020202030204" pitchFamily="34" charset="0"/>
               </a:rPr>
               <a:t>Esas métricas pueden ser calculadas por días para evaluar tendencias y estacionalidades temporales</a:t>
@@ -6672,7 +6660,7 @@
               <a:buFont typeface="Arial" panose="020B0604020202020204" pitchFamily="34" charset="0"/>
               <a:buChar char="•"/>
             </a:pPr>
-            <a:endParaRPr lang="es-CO" dirty="0" smtClean="0">
+            <a:endParaRPr lang="es-CO" dirty="0">
               <a:latin typeface="Arial Narrow" panose="020B0606020202030204" pitchFamily="34" charset="0"/>
             </a:endParaRPr>
           </a:p>
@@ -6682,7 +6670,7 @@
               <a:buChar char="•"/>
             </a:pPr>
             <a:r>
-              <a:rPr lang="es-CO" dirty="0" smtClean="0">
+              <a:rPr lang="es-CO" dirty="0">
                 <a:latin typeface="Arial Narrow" panose="020B0606020202030204" pitchFamily="34" charset="0"/>
               </a:rPr>
               <a:t>Las métricas discriminadas por maquinas, permite evaluar zonas</a:t>
@@ -7142,7 +7130,7 @@
           <a:p>
             <a:pPr lvl="0"/>
             <a:r>
-              <a:rPr lang="es-CO" b="1" dirty="0" smtClean="0">
+              <a:rPr lang="es-CO" b="1" dirty="0">
                 <a:solidFill>
                   <a:srgbClr val="002060"/>
                 </a:solidFill>
@@ -7231,22 +7219,13 @@
               <a:defRPr/>
             </a:pPr>
             <a:r>
-              <a:rPr lang="es-CO" altLang="es-ES" sz="1400" kern="0" dirty="0" smtClean="0">
+              <a:rPr lang="es-CO" altLang="es-ES" sz="1400" kern="0" dirty="0">
                 <a:solidFill>
                   <a:srgbClr val="FFFFFF"/>
                 </a:solidFill>
                 <a:latin typeface="BNPP Sans" pitchFamily="50" charset="0"/>
               </a:rPr>
-              <a:t>Ingreso información </a:t>
-            </a:r>
-            <a:r>
-              <a:rPr lang="es-CO" altLang="es-ES" sz="1400" kern="0" dirty="0" smtClean="0">
-                <a:solidFill>
-                  <a:srgbClr val="FFFFFF"/>
-                </a:solidFill>
-                <a:latin typeface="BNPP Sans" pitchFamily="50" charset="0"/>
-              </a:rPr>
-              <a:t>de maquina</a:t>
+              <a:t>Ingreso información de maquina</a:t>
             </a:r>
             <a:endParaRPr lang="en-US" altLang="es-ES" sz="1400" kern="0" dirty="0">
               <a:solidFill>
@@ -7305,22 +7284,13 @@
               <a:defRPr/>
             </a:pPr>
             <a:r>
-              <a:rPr lang="es-CO" altLang="es-ES" sz="1400" kern="0" dirty="0" smtClean="0">
+              <a:rPr lang="es-CO" altLang="es-ES" sz="1400" kern="0" dirty="0">
                 <a:solidFill>
                   <a:srgbClr val="FFFFFF"/>
                 </a:solidFill>
                 <a:latin typeface="BNPP Sans" pitchFamily="50" charset="0"/>
               </a:rPr>
-              <a:t>Aplicación </a:t>
-            </a:r>
-            <a:r>
-              <a:rPr lang="es-CO" altLang="es-ES" sz="1400" kern="0" dirty="0" smtClean="0">
-                <a:solidFill>
-                  <a:srgbClr val="FFFFFF"/>
-                </a:solidFill>
-                <a:latin typeface="BNPP Sans" pitchFamily="50" charset="0"/>
-              </a:rPr>
-              <a:t>del modelo de optimización</a:t>
+              <a:t>Aplicación del modelo de optimización</a:t>
             </a:r>
             <a:endParaRPr lang="en-US" altLang="es-ES" sz="1400" kern="0" dirty="0">
               <a:solidFill>
@@ -7363,22 +7333,13 @@
               <a:defRPr/>
             </a:pPr>
             <a:r>
-              <a:rPr lang="es-CO" sz="1200" b="1" kern="0" dirty="0" smtClean="0">
+              <a:rPr lang="es-CO" sz="1200" b="1" kern="0" dirty="0">
                 <a:solidFill>
                   <a:srgbClr val="142445"/>
                 </a:solidFill>
                 <a:latin typeface="Arial Narrow" pitchFamily="34" charset="0"/>
               </a:rPr>
-              <a:t>Ingresa la información capturada </a:t>
-            </a:r>
-            <a:r>
-              <a:rPr lang="es-CO" sz="1200" b="1" kern="0" dirty="0" smtClean="0">
-                <a:solidFill>
-                  <a:srgbClr val="142445"/>
-                </a:solidFill>
-                <a:latin typeface="Arial Narrow" pitchFamily="34" charset="0"/>
-              </a:rPr>
-              <a:t>de la maquina a un repositorio de datos</a:t>
+              <a:t>Ingresa la información capturada de la maquina a un repositorio de datos</a:t>
             </a:r>
             <a:endParaRPr lang="en-US" sz="1200" b="1" kern="0" dirty="0">
               <a:solidFill>
@@ -7518,7 +7479,7 @@
               <a:defRPr/>
             </a:pPr>
             <a:r>
-              <a:rPr lang="es-CO" altLang="zh-CN" sz="1400" dirty="0" smtClean="0">
+              <a:rPr lang="es-CO" altLang="zh-CN" sz="1400" dirty="0">
                 <a:solidFill>
                   <a:schemeClr val="tx1">
                     <a:lumMod val="75000"/>
@@ -7537,7 +7498,7 @@
               <a:defRPr/>
             </a:pPr>
             <a:r>
-              <a:rPr lang="es-CO" altLang="zh-CN" sz="1400" dirty="0" smtClean="0">
+              <a:rPr lang="es-CO" altLang="zh-CN" sz="1400" dirty="0">
                 <a:solidFill>
                   <a:schemeClr val="tx1">
                     <a:lumMod val="75000"/>
@@ -7556,7 +7517,7 @@
               <a:defRPr/>
             </a:pPr>
             <a:r>
-              <a:rPr lang="es-CO" altLang="zh-CN" sz="1400" dirty="0" smtClean="0">
+              <a:rPr lang="es-CO" altLang="zh-CN" sz="1400" dirty="0">
                 <a:solidFill>
                   <a:schemeClr val="tx1">
                     <a:lumMod val="75000"/>
@@ -7575,7 +7536,7 @@
               <a:defRPr/>
             </a:pPr>
             <a:r>
-              <a:rPr lang="es-CO" altLang="zh-CN" sz="1400" dirty="0" smtClean="0">
+              <a:rPr lang="es-CO" altLang="zh-CN" sz="1400" dirty="0">
                 <a:solidFill>
                   <a:schemeClr val="tx1">
                     <a:lumMod val="75000"/>
@@ -7594,7 +7555,7 @@
               <a:defRPr/>
             </a:pPr>
             <a:r>
-              <a:rPr lang="es-CO" altLang="zh-CN" sz="1400" dirty="0" smtClean="0">
+              <a:rPr lang="es-CO" altLang="zh-CN" sz="1400" dirty="0">
                 <a:solidFill>
                   <a:schemeClr val="tx1">
                     <a:lumMod val="75000"/>
@@ -7606,7 +7567,7 @@
               <a:t>Cantidad de </a:t>
             </a:r>
             <a:r>
-              <a:rPr lang="es-CO" altLang="zh-CN" sz="1400" dirty="0" err="1" smtClean="0">
+              <a:rPr lang="es-CO" altLang="zh-CN" sz="1400" dirty="0" err="1">
                 <a:solidFill>
                   <a:schemeClr val="tx1">
                     <a:lumMod val="75000"/>
@@ -7617,7 +7578,7 @@
               </a:rPr>
               <a:t>refills</a:t>
             </a:r>
-            <a:endParaRPr lang="es-CO" altLang="zh-CN" sz="1400" dirty="0" smtClean="0">
+            <a:endParaRPr lang="es-CO" altLang="zh-CN" sz="1400" dirty="0">
               <a:solidFill>
                 <a:schemeClr val="tx1">
                   <a:lumMod val="75000"/>
@@ -7634,7 +7595,7 @@
               <a:defRPr/>
             </a:pPr>
             <a:r>
-              <a:rPr lang="es-CO" altLang="zh-CN" sz="1400" dirty="0" smtClean="0">
+              <a:rPr lang="es-CO" altLang="zh-CN" sz="1400" dirty="0">
                 <a:solidFill>
                   <a:schemeClr val="tx1">
                     <a:lumMod val="75000"/>
@@ -7645,15 +7606,6 @@
               </a:rPr>
               <a:t>Detalle por fechas/hora de dispendio de paletas</a:t>
             </a:r>
-            <a:endParaRPr lang="es-CO" altLang="zh-CN" sz="1400" dirty="0" smtClean="0">
-              <a:solidFill>
-                <a:schemeClr val="tx1">
-                  <a:lumMod val="75000"/>
-                  <a:lumOff val="25000"/>
-                </a:schemeClr>
-              </a:solidFill>
-              <a:latin typeface="Arial Narrow" panose="020B0606020202030204" pitchFamily="34" charset="0"/>
-            </a:endParaRPr>
           </a:p>
           <a:p>
             <a:pPr defTabSz="1218987">
@@ -7704,7 +7656,7 @@
               <a:defRPr/>
             </a:pPr>
             <a:r>
-              <a:rPr lang="es-CO" sz="1200" b="1" kern="0" dirty="0" smtClean="0">
+              <a:rPr lang="es-CO" sz="1200" b="1" kern="0" dirty="0">
                 <a:solidFill>
                   <a:srgbClr val="142445"/>
                 </a:solidFill>
@@ -7755,7 +7707,7 @@
               <a:defRPr/>
             </a:pPr>
             <a:r>
-              <a:rPr lang="es-CO" sz="1400" dirty="0" smtClean="0">
+              <a:rPr lang="es-CO" sz="1400" dirty="0">
                 <a:solidFill>
                   <a:schemeClr val="tx1">
                     <a:lumMod val="75000"/>
@@ -7774,7 +7726,7 @@
               <a:defRPr/>
             </a:pPr>
             <a:r>
-              <a:rPr lang="es-CO" sz="1400" dirty="0" smtClean="0">
+              <a:rPr lang="es-CO" sz="1400" dirty="0">
                 <a:solidFill>
                   <a:schemeClr val="tx1">
                     <a:lumMod val="75000"/>
@@ -7793,7 +7745,7 @@
               <a:defRPr/>
             </a:pPr>
             <a:r>
-              <a:rPr lang="es-CO" sz="1400" dirty="0" smtClean="0">
+              <a:rPr lang="es-CO" sz="1400" dirty="0">
                 <a:solidFill>
                   <a:schemeClr val="tx1">
                     <a:lumMod val="75000"/>
@@ -7812,7 +7764,7 @@
               <a:defRPr/>
             </a:pPr>
             <a:r>
-              <a:rPr lang="es-CO" sz="1400" dirty="0" smtClean="0">
+              <a:rPr lang="es-CO" sz="1400" dirty="0">
                 <a:solidFill>
                   <a:schemeClr val="tx1">
                     <a:lumMod val="75000"/>
@@ -7823,15 +7775,6 @@
               </a:rPr>
               <a:t>Aplicación restricciones de operación mínima</a:t>
             </a:r>
-            <a:endParaRPr lang="es-CO" sz="1400" dirty="0" smtClean="0">
-              <a:solidFill>
-                <a:schemeClr val="tx1">
-                  <a:lumMod val="75000"/>
-                  <a:lumOff val="25000"/>
-                </a:schemeClr>
-              </a:solidFill>
-              <a:latin typeface="Arial Narrow" panose="020B0606020202030204" pitchFamily="34" charset="0"/>
-            </a:endParaRPr>
           </a:p>
           <a:p>
             <a:pPr marL="285750" indent="-285750" defTabSz="1218987">
@@ -7839,7 +7782,7 @@
               <a:buChar char="•"/>
               <a:defRPr/>
             </a:pPr>
-            <a:endParaRPr lang="es-CO" sz="1400" dirty="0" smtClean="0">
+            <a:endParaRPr lang="es-CO" sz="1400" dirty="0">
               <a:solidFill>
                 <a:schemeClr val="tx1">
                   <a:lumMod val="75000"/>
@@ -7900,22 +7843,13 @@
               <a:defRPr/>
             </a:pPr>
             <a:r>
-              <a:rPr lang="es-CO" altLang="es-ES" sz="1400" kern="0" dirty="0" smtClean="0">
+              <a:rPr lang="es-CO" altLang="es-ES" sz="1400" kern="0" dirty="0">
                 <a:solidFill>
                   <a:srgbClr val="FFFFFF"/>
                 </a:solidFill>
                 <a:latin typeface="BNPP Sans" pitchFamily="50" charset="0"/>
               </a:rPr>
-              <a:t>Validación </a:t>
-            </a:r>
-            <a:r>
-              <a:rPr lang="es-CO" altLang="es-ES" sz="1400" kern="0" dirty="0" smtClean="0">
-                <a:solidFill>
-                  <a:srgbClr val="FFFFFF"/>
-                </a:solidFill>
-                <a:latin typeface="BNPP Sans" pitchFamily="50" charset="0"/>
-              </a:rPr>
-              <a:t>reglas y calidad</a:t>
+              <a:t>Validación reglas y calidad</a:t>
             </a:r>
             <a:endParaRPr lang="en-US" altLang="es-ES" sz="1400" kern="0" dirty="0">
               <a:solidFill>
@@ -7958,40 +7892,13 @@
               <a:defRPr/>
             </a:pPr>
             <a:r>
-              <a:rPr lang="es-CO" sz="1200" b="1" kern="0" dirty="0" smtClean="0">
+              <a:rPr lang="es-CO" sz="1200" b="1" kern="0" dirty="0">
                 <a:solidFill>
                   <a:srgbClr val="142445"/>
                 </a:solidFill>
                 <a:latin typeface="Arial Narrow" pitchFamily="34" charset="0"/>
               </a:rPr>
-              <a:t>Validación de reglas </a:t>
-            </a:r>
-            <a:r>
-              <a:rPr lang="es-CO" sz="1200" b="1" kern="0" dirty="0" smtClean="0">
-                <a:solidFill>
-                  <a:srgbClr val="142445"/>
-                </a:solidFill>
-                <a:latin typeface="Arial Narrow" pitchFamily="34" charset="0"/>
-              </a:rPr>
-              <a:t>en </a:t>
-            </a:r>
-            <a:r>
-              <a:rPr lang="es-CO" sz="1200" b="1" kern="0" dirty="0" smtClean="0">
-                <a:solidFill>
-                  <a:srgbClr val="142445"/>
-                </a:solidFill>
-                <a:latin typeface="Arial Narrow" pitchFamily="34" charset="0"/>
-              </a:rPr>
-              <a:t>asignación de </a:t>
-            </a:r>
-            <a:r>
-              <a:rPr lang="es-CO" sz="1200" b="1" kern="0" dirty="0" smtClean="0">
-                <a:solidFill>
-                  <a:srgbClr val="142445"/>
-                </a:solidFill>
-                <a:latin typeface="Arial Narrow" pitchFamily="34" charset="0"/>
-              </a:rPr>
-              <a:t>pedidos</a:t>
+              <a:t>Validación de reglas en asignación de pedidos</a:t>
             </a:r>
             <a:endParaRPr lang="en-US" sz="1200" b="1" kern="0" dirty="0">
               <a:solidFill>
@@ -8036,7 +7943,7 @@
               <a:defRPr/>
             </a:pPr>
             <a:r>
-              <a:rPr lang="es-CO" sz="1400" dirty="0" smtClean="0">
+              <a:rPr lang="es-CO" sz="1400" dirty="0">
                 <a:solidFill>
                   <a:schemeClr val="tx1">
                     <a:lumMod val="75000"/>
@@ -8055,7 +7962,7 @@
               <a:defRPr/>
             </a:pPr>
             <a:r>
-              <a:rPr lang="es-CO" sz="1400" dirty="0" smtClean="0">
+              <a:rPr lang="es-CO" sz="1400" dirty="0">
                 <a:solidFill>
                   <a:schemeClr val="tx1">
                     <a:lumMod val="75000"/>
@@ -8073,7 +7980,7 @@
               <a:buChar char="•"/>
               <a:defRPr/>
             </a:pPr>
-            <a:endParaRPr lang="es-CO" sz="1400" dirty="0" smtClean="0">
+            <a:endParaRPr lang="es-CO" sz="1400" dirty="0">
               <a:solidFill>
                 <a:schemeClr val="tx1">
                   <a:lumMod val="75000"/>
@@ -8089,7 +7996,7 @@
               <a:buChar char="•"/>
               <a:defRPr/>
             </a:pPr>
-            <a:endParaRPr lang="es-CO" sz="1400" dirty="0" smtClean="0">
+            <a:endParaRPr lang="es-CO" sz="1400" dirty="0">
               <a:solidFill>
                 <a:schemeClr val="tx1">
                   <a:lumMod val="75000"/>
@@ -8150,7 +8057,7 @@
               <a:defRPr/>
             </a:pPr>
             <a:r>
-              <a:rPr lang="es-CO" altLang="es-ES" sz="1400" kern="0" dirty="0" smtClean="0">
+              <a:rPr lang="es-CO" altLang="es-ES" sz="1400" kern="0" dirty="0">
                 <a:solidFill>
                   <a:srgbClr val="FFFFFF"/>
                 </a:solidFill>
@@ -8199,7 +8106,7 @@
               <a:defRPr/>
             </a:pPr>
             <a:r>
-              <a:rPr lang="es-CO" sz="1200" b="1" kern="0" dirty="0" smtClean="0">
+              <a:rPr lang="es-CO" sz="1200" b="1" kern="0" dirty="0">
                 <a:solidFill>
                   <a:srgbClr val="142445"/>
                 </a:solidFill>
@@ -8250,7 +8157,7 @@
               <a:defRPr/>
             </a:pPr>
             <a:r>
-              <a:rPr lang="es-CO" sz="1400" dirty="0" smtClean="0">
+              <a:rPr lang="es-CO" sz="1400" dirty="0">
                 <a:solidFill>
                   <a:schemeClr val="tx1">
                     <a:lumMod val="75000"/>
@@ -8260,31 +8167,8 @@
                 <a:latin typeface="Arial Narrow" panose="020B0606020202030204" pitchFamily="34" charset="0"/>
                 <a:cs typeface="Arial Narrow" panose="020B0604020202020204" pitchFamily="34" charset="0"/>
               </a:rPr>
-              <a:t>Efectividad del modelo en la </a:t>
-            </a:r>
-            <a:r>
-              <a:rPr lang="es-CO" sz="1400" dirty="0" smtClean="0">
-                <a:solidFill>
-                  <a:schemeClr val="tx1">
-                    <a:lumMod val="75000"/>
-                    <a:lumOff val="25000"/>
-                  </a:schemeClr>
-                </a:solidFill>
-                <a:latin typeface="Arial Narrow" panose="020B0606020202030204" pitchFamily="34" charset="0"/>
-                <a:cs typeface="Arial Narrow" panose="020B0604020202020204" pitchFamily="34" charset="0"/>
-              </a:rPr>
-              <a:t>reducción de costos</a:t>
-            </a:r>
-            <a:endParaRPr lang="es-CO" sz="1400" dirty="0" smtClean="0">
-              <a:solidFill>
-                <a:schemeClr val="tx1">
-                  <a:lumMod val="75000"/>
-                  <a:lumOff val="25000"/>
-                </a:schemeClr>
-              </a:solidFill>
-              <a:latin typeface="Arial Narrow" panose="020B0606020202030204" pitchFamily="34" charset="0"/>
-              <a:cs typeface="Arial Narrow" panose="020B0604020202020204" pitchFamily="34" charset="0"/>
-            </a:endParaRPr>
+              <a:t>Efectividad del modelo en la reducción de costos</a:t>
+            </a:r>
           </a:p>
           <a:p>
             <a:pPr marL="285750" indent="-285750" defTabSz="1218987">
@@ -8293,7 +8177,7 @@
               <a:defRPr/>
             </a:pPr>
             <a:r>
-              <a:rPr lang="es-CO" sz="1400" dirty="0" smtClean="0">
+              <a:rPr lang="es-CO" sz="1400" dirty="0">
                 <a:solidFill>
                   <a:schemeClr val="tx1">
                     <a:lumMod val="75000"/>
@@ -8304,15 +8188,6 @@
               </a:rPr>
               <a:t>Calculo de indicadores y KPI</a:t>
             </a:r>
-            <a:endParaRPr lang="es-CO" sz="1400" dirty="0">
-              <a:solidFill>
-                <a:schemeClr val="tx1">
-                  <a:lumMod val="75000"/>
-                  <a:lumOff val="25000"/>
-                </a:schemeClr>
-              </a:solidFill>
-              <a:latin typeface="Arial Narrow" panose="020B0606020202030204" pitchFamily="34" charset="0"/>
-            </a:endParaRPr>
           </a:p>
           <a:p>
             <a:pPr marL="285750" indent="-285750" defTabSz="1218987">
@@ -8321,7 +8196,7 @@
               <a:defRPr/>
             </a:pPr>
             <a:r>
-              <a:rPr lang="es-CO" sz="1400" dirty="0" smtClean="0">
+              <a:rPr lang="es-CO" sz="1400" dirty="0">
                 <a:solidFill>
                   <a:schemeClr val="tx1">
                     <a:lumMod val="75000"/>
@@ -8333,16 +8208,6 @@
               </a:rPr>
               <a:t>Nivel de servició – cobertura oportuna de la demanda</a:t>
             </a:r>
-            <a:endParaRPr lang="es-CO" sz="1400" dirty="0" smtClean="0">
-              <a:solidFill>
-                <a:schemeClr val="tx1">
-                  <a:lumMod val="75000"/>
-                  <a:lumOff val="25000"/>
-                </a:schemeClr>
-              </a:solidFill>
-              <a:latin typeface="Arial Narrow" panose="020B0606020202030204" pitchFamily="34" charset="0"/>
-              <a:cs typeface="Arial Narrow" panose="020B0604020202020204" pitchFamily="34" charset="0"/>
-            </a:endParaRPr>
           </a:p>
         </p:txBody>
       </p:sp>
@@ -8393,7 +8258,7 @@
           <a:lstStyle/>
           <a:p>
             <a:pPr algn="ctr"/>
-            <a:endParaRPr lang="en-US" sz="1400" dirty="0" smtClean="0">
+            <a:endParaRPr lang="en-US" sz="1400" dirty="0">
               <a:solidFill>
                 <a:schemeClr val="tx1"/>
               </a:solidFill>
@@ -8524,22 +8389,13 @@
               <a:defRPr/>
             </a:pPr>
             <a:r>
-              <a:rPr lang="es-CO" altLang="es-ES" sz="1400" kern="0" dirty="0" smtClean="0">
+              <a:rPr lang="es-CO" altLang="es-ES" sz="1400" kern="0" dirty="0">
                 <a:solidFill>
                   <a:srgbClr val="FFFFFF"/>
                 </a:solidFill>
                 <a:latin typeface="BNPP Sans" pitchFamily="50" charset="0"/>
               </a:rPr>
-              <a:t>Consolidación con información </a:t>
-            </a:r>
-            <a:r>
-              <a:rPr lang="es-CO" altLang="es-ES" sz="1400" kern="0" dirty="0" smtClean="0">
-                <a:solidFill>
-                  <a:srgbClr val="FFFFFF"/>
-                </a:solidFill>
-                <a:latin typeface="BNPP Sans" pitchFamily="50" charset="0"/>
-              </a:rPr>
-              <a:t>de envíos</a:t>
+              <a:t>Consolidación con información de envíos</a:t>
             </a:r>
             <a:endParaRPr lang="en-US" altLang="es-ES" sz="1400" kern="0" dirty="0">
               <a:solidFill>
@@ -8582,7 +8438,7 @@
               <a:defRPr/>
             </a:pPr>
             <a:r>
-              <a:rPr lang="en-US" sz="1200" b="1" kern="0" dirty="0" err="1" smtClean="0">
+              <a:rPr lang="en-US" sz="1200" b="1" kern="0" dirty="0" err="1">
                 <a:solidFill>
                   <a:srgbClr val="142445"/>
                 </a:solidFill>
@@ -8591,7 +8447,7 @@
               <a:t>Información</a:t>
             </a:r>
             <a:r>
-              <a:rPr lang="en-US" sz="1200" b="1" kern="0" dirty="0" smtClean="0">
+              <a:rPr lang="en-US" sz="1200" b="1" kern="0" dirty="0">
                 <a:solidFill>
                   <a:srgbClr val="142445"/>
                 </a:solidFill>
@@ -8600,7 +8456,7 @@
               <a:t> </a:t>
             </a:r>
             <a:r>
-              <a:rPr lang="en-US" sz="1200" b="1" kern="0" dirty="0" err="1" smtClean="0">
+              <a:rPr lang="en-US" sz="1200" b="1" kern="0" dirty="0" err="1">
                 <a:solidFill>
                   <a:srgbClr val="142445"/>
                 </a:solidFill>
@@ -8609,7 +8465,7 @@
               <a:t>necesaria</a:t>
             </a:r>
             <a:r>
-              <a:rPr lang="en-US" sz="1200" b="1" kern="0" dirty="0" smtClean="0">
+              <a:rPr lang="en-US" sz="1200" b="1" kern="0" dirty="0">
                 <a:solidFill>
                   <a:srgbClr val="142445"/>
                 </a:solidFill>
@@ -8618,7 +8474,7 @@
               <a:t> </a:t>
             </a:r>
             <a:r>
-              <a:rPr lang="es-CO" sz="1200" b="1" kern="0" dirty="0" smtClean="0">
+              <a:rPr lang="es-CO" sz="1200" b="1" kern="0" dirty="0">
                 <a:solidFill>
                   <a:srgbClr val="142445"/>
                 </a:solidFill>
@@ -8669,7 +8525,7 @@
               <a:defRPr/>
             </a:pPr>
             <a:r>
-              <a:rPr lang="es-CO" altLang="zh-CN" sz="1400" dirty="0" smtClean="0">
+              <a:rPr lang="es-CO" altLang="zh-CN" sz="1400" dirty="0">
                 <a:solidFill>
                   <a:schemeClr val="tx1">
                     <a:lumMod val="75000"/>
@@ -8688,7 +8544,7 @@
               <a:defRPr/>
             </a:pPr>
             <a:r>
-              <a:rPr lang="es-CO" sz="1400" dirty="0" smtClean="0">
+              <a:rPr lang="es-CO" sz="1400" dirty="0">
                 <a:solidFill>
                   <a:schemeClr val="tx1">
                     <a:lumMod val="75000"/>
@@ -8700,16 +8556,6 @@
               </a:rPr>
               <a:t>Fecha/hora envío</a:t>
             </a:r>
-            <a:endParaRPr lang="es-CO" sz="1400" dirty="0" smtClean="0">
-              <a:solidFill>
-                <a:schemeClr val="tx1">
-                  <a:lumMod val="75000"/>
-                  <a:lumOff val="25000"/>
-                </a:schemeClr>
-              </a:solidFill>
-              <a:latin typeface="Arial Narrow" panose="020B0606020202030204" pitchFamily="34" charset="0"/>
-              <a:cs typeface="Arial Narrow" panose="020B0604020202020204" pitchFamily="34" charset="0"/>
-            </a:endParaRPr>
           </a:p>
         </p:txBody>
       </p:sp>
@@ -9213,7 +9059,7 @@
           <a:p>
             <a:pPr lvl="0"/>
             <a:r>
-              <a:rPr lang="es-CO" b="1" dirty="0" smtClean="0">
+              <a:rPr lang="es-CO" b="1" dirty="0">
                 <a:solidFill>
                   <a:srgbClr val="002060"/>
                 </a:solidFill>
@@ -9254,19 +9100,7 @@
             <a:pPr lvl="0"/>
             <a:r>
               <a:rPr lang="es-CO" dirty="0"/>
-              <a:t>Corroborando efectivamente la reducción de los </a:t>
-            </a:r>
-            <a:r>
-              <a:rPr lang="es-CO" dirty="0" smtClean="0"/>
-              <a:t>costos totales; </a:t>
-            </a:r>
-            <a:r>
-              <a:rPr lang="es-CO" dirty="0"/>
-              <a:t>debe observarse una tendencia clara en la reducción en la serie de costos totales asociados a cada máquina </a:t>
-            </a:r>
-            <a:r>
-              <a:rPr lang="es-CO" dirty="0" smtClean="0"/>
-              <a:t>expendedora</a:t>
+              <a:t>Corroborando efectivamente la reducción de los costos totales; debe observarse una tendencia clara en la reducción en la serie de costos totales asociados a cada máquina expendedora</a:t>
             </a:r>
           </a:p>
           <a:p>
@@ -9277,11 +9111,7 @@
             <a:pPr lvl="0"/>
             <a:r>
               <a:rPr lang="es-CO" dirty="0"/>
-              <a:t>Corroborando la disminución del tiempo promedio en días por paleta en </a:t>
-            </a:r>
-            <a:r>
-              <a:rPr lang="es-CO" dirty="0" smtClean="0"/>
-              <a:t>maquina</a:t>
+              <a:t>Corroborando la disminución del tiempo promedio en días por paleta en maquina</a:t>
             </a:r>
           </a:p>
           <a:p>
@@ -9294,7 +9124,6 @@
               <a:rPr lang="es-CO" dirty="0"/>
               <a:t>Disminución de la cantidad de máquinas que se quedan por debajo de la demanda de paletas, y la frecuencia con la que pueden llegar a ese escenario </a:t>
             </a:r>
-            <a:endParaRPr lang="es-CO" dirty="0" smtClean="0"/>
           </a:p>
           <a:p>
             <a:pPr lvl="0"/>
@@ -9303,7 +9132,7 @@
           <a:p>
             <a:pPr lvl="0"/>
             <a:r>
-              <a:rPr lang="es-CO" dirty="0" smtClean="0"/>
+              <a:rPr lang="es-CO" dirty="0"/>
               <a:t>Aumento en la eficiencia de la distribución de los envíos</a:t>
             </a:r>
             <a:endParaRPr lang="en-US" dirty="0"/>
@@ -9353,7 +9182,7 @@
           <a:p>
             <a:pPr algn="ctr"/>
             <a:r>
-              <a:rPr lang="es-CO" dirty="0" smtClean="0"/>
+              <a:rPr lang="es-CO" dirty="0"/>
               <a:t>1</a:t>
             </a:r>
             <a:endParaRPr lang="en-US" dirty="0"/>
@@ -9403,7 +9232,7 @@
           <a:p>
             <a:pPr algn="ctr"/>
             <a:r>
-              <a:rPr lang="es-CO" dirty="0" smtClean="0"/>
+              <a:rPr lang="es-CO" dirty="0"/>
               <a:t>2</a:t>
             </a:r>
             <a:endParaRPr lang="en-US" dirty="0"/>
@@ -9453,7 +9282,7 @@
           <a:p>
             <a:pPr algn="ctr"/>
             <a:r>
-              <a:rPr lang="es-CO" dirty="0" smtClean="0"/>
+              <a:rPr lang="es-CO" dirty="0"/>
               <a:t>3</a:t>
             </a:r>
             <a:endParaRPr lang="en-US" dirty="0"/>
@@ -9503,7 +9332,7 @@
           <a:p>
             <a:pPr algn="ctr"/>
             <a:r>
-              <a:rPr lang="es-CO" dirty="0" smtClean="0"/>
+              <a:rPr lang="es-CO" dirty="0"/>
               <a:t>4</a:t>
             </a:r>
             <a:endParaRPr lang="en-US" dirty="0"/>
@@ -9831,82 +9660,6 @@
           </p:txBody>
         </p:sp>
       </p:grpSp>
-      <p:cxnSp>
-        <p:nvCxnSpPr>
-          <p:cNvPr id="13" name="Conector recto 12"/>
-          <p:cNvCxnSpPr/>
-          <p:nvPr/>
-        </p:nvCxnSpPr>
-        <p:spPr>
-          <a:xfrm flipV="1">
-            <a:off x="605254" y="889190"/>
-            <a:ext cx="7483197" cy="34604"/>
-          </a:xfrm>
-          <a:prstGeom prst="line">
-            <a:avLst/>
-          </a:prstGeom>
-          <a:ln w="19050"/>
-          <a:effectLst>
-            <a:outerShdw blurRad="50800" dist="50800" dir="5400000" algn="ctr" rotWithShape="0">
-              <a:schemeClr val="tx1"/>
-            </a:outerShdw>
-          </a:effectLst>
-        </p:spPr>
-        <p:style>
-          <a:lnRef idx="1">
-            <a:schemeClr val="accent1"/>
-          </a:lnRef>
-          <a:fillRef idx="0">
-            <a:schemeClr val="accent1"/>
-          </a:fillRef>
-          <a:effectRef idx="0">
-            <a:schemeClr val="accent1"/>
-          </a:effectRef>
-          <a:fontRef idx="minor">
-            <a:schemeClr val="tx1"/>
-          </a:fontRef>
-        </p:style>
-      </p:cxnSp>
-      <p:sp>
-        <p:nvSpPr>
-          <p:cNvPr id="12" name="Rectángulo 11"/>
-          <p:cNvSpPr/>
-          <p:nvPr/>
-        </p:nvSpPr>
-        <p:spPr>
-          <a:xfrm>
-            <a:off x="545297" y="519858"/>
-            <a:ext cx="6535764" cy="369332"/>
-          </a:xfrm>
-          <a:prstGeom prst="rect">
-            <a:avLst/>
-          </a:prstGeom>
-        </p:spPr>
-        <p:txBody>
-          <a:bodyPr wrap="none">
-            <a:spAutoFit/>
-          </a:bodyPr>
-          <a:lstStyle/>
-          <a:p>
-            <a:pPr lvl="0"/>
-            <a:r>
-              <a:rPr lang="es-CO" b="1" dirty="0" smtClean="0">
-                <a:solidFill>
-                  <a:srgbClr val="002060"/>
-                </a:solidFill>
-                <a:latin typeface="Arial Narrow" panose="020B0606020202030204" pitchFamily="34" charset="0"/>
-              </a:rPr>
-              <a:t>f)¿Cómo evaluarías si la solución tuvo impacto positivo o fue exitosa?</a:t>
-            </a:r>
-            <a:endParaRPr lang="en-US" dirty="0">
-              <a:solidFill>
-                <a:srgbClr val="002060"/>
-              </a:solidFill>
-              <a:latin typeface="Arial Narrow" panose="020B0606020202030204" pitchFamily="34" charset="0"/>
-            </a:endParaRPr>
-          </a:p>
-        </p:txBody>
-      </p:sp>
       <p:sp>
         <p:nvSpPr>
           <p:cNvPr id="16" name="Marcador de contenido 2"/>
@@ -10093,7 +9846,7 @@
             </a:lvl9pPr>
           </a:lstStyle>
           <a:p>
-            <a:endParaRPr lang="es-CO" sz="8000" b="1" smtClean="0">
+            <a:endParaRPr lang="es-CO" sz="8000" b="1">
               <a:solidFill>
                 <a:srgbClr val="002060"/>
               </a:solidFill>
@@ -10102,7 +9855,7 @@
           </a:p>
           <a:p>
             <a:r>
-              <a:rPr lang="es-CO" sz="8000" b="1" smtClean="0">
+              <a:rPr lang="es-CO" sz="8000" b="1">
                 <a:solidFill>
                   <a:srgbClr val="002060"/>
                 </a:solidFill>
@@ -10165,7 +9918,7 @@
           <a:lstStyle/>
           <a:p>
             <a:r>
-              <a:rPr lang="es-CO" dirty="0" smtClean="0">
+              <a:rPr lang="es-CO" dirty="0">
                 <a:solidFill>
                   <a:srgbClr val="002060"/>
                 </a:solidFill>
@@ -10200,7 +9953,7 @@
           <a:lstStyle/>
           <a:p>
             <a:r>
-              <a:rPr lang="es-CO" dirty="0" smtClean="0">
+              <a:rPr lang="es-CO" dirty="0">
                 <a:latin typeface="Arial Narrow" panose="020B0606020202030204" pitchFamily="34" charset="0"/>
               </a:rPr>
               <a:t>Se aborda el análisis de un problema de reducción de costos en el  abastecimiento de maquinas expendedoras de paletas, con el fin de mantener las maquinas abastecidas con el mínimo necesario para mantener la demanda, y no generar altos costos en su abastecimiento y gasto energético</a:t>
@@ -10983,23 +10736,7 @@
                 <a:ea typeface="Calibri" panose="020F0502020204030204" pitchFamily="34" charset="0"/>
                 <a:cs typeface="Times New Roman" panose="02020603050405020304" pitchFamily="18" charset="0"/>
               </a:rPr>
-              <a:t>Es un problema de optimización sujeto a restricciones de </a:t>
-            </a:r>
-            <a:r>
-              <a:rPr lang="es-CO" dirty="0" smtClean="0">
-                <a:latin typeface="Arial Narrow" panose="020B0606020202030204" pitchFamily="34" charset="0"/>
-                <a:ea typeface="Calibri" panose="020F0502020204030204" pitchFamily="34" charset="0"/>
-                <a:cs typeface="Times New Roman" panose="02020603050405020304" pitchFamily="18" charset="0"/>
-              </a:rPr>
-              <a:t>costos y cantidad. </a:t>
-            </a:r>
-            <a:r>
-              <a:rPr lang="es-CO" dirty="0">
-                <a:latin typeface="Arial Narrow" panose="020B0606020202030204" pitchFamily="34" charset="0"/>
-                <a:ea typeface="Calibri" panose="020F0502020204030204" pitchFamily="34" charset="0"/>
-                <a:cs typeface="Times New Roman" panose="02020603050405020304" pitchFamily="18" charset="0"/>
-              </a:rPr>
-              <a:t>Posiblemente una optimización lineal sujeta a restricciones pueda funcionar</a:t>
+              <a:t>Es un problema de optimización sujeto a restricciones de costos y cantidad. Posiblemente una optimización lineal sujeta a restricciones pueda funcionar</a:t>
             </a:r>
             <a:endParaRPr lang="en-US" dirty="0">
               <a:latin typeface="Arial Narrow" panose="020B0606020202030204" pitchFamily="34" charset="0"/>
@@ -11136,7 +10873,7 @@
             <a:lstStyle/>
             <a:p>
               <a:r>
-                <a:rPr lang="es-CO" dirty="0" smtClean="0"/>
+                <a:rPr lang="es-CO" dirty="0"/>
                 <a:t>Capacidad</a:t>
               </a:r>
               <a:endParaRPr lang="en-US" dirty="0"/>
@@ -11196,7 +10933,7 @@
             <a:lstStyle/>
             <a:p>
               <a:r>
-                <a:rPr lang="es-CO" dirty="0" smtClean="0"/>
+                <a:rPr lang="es-CO" dirty="0"/>
                 <a:t>mínimo</a:t>
               </a:r>
               <a:endParaRPr lang="en-US" dirty="0"/>
@@ -11286,7 +11023,7 @@
             <a:lstStyle/>
             <a:p>
               <a:r>
-                <a:rPr lang="es-CO" dirty="0" smtClean="0"/>
+                <a:rPr lang="es-CO" dirty="0"/>
                 <a:t>Máximo</a:t>
               </a:r>
               <a:endParaRPr lang="en-US" dirty="0"/>
@@ -11346,7 +11083,7 @@
             <a:lstStyle/>
             <a:p>
               <a:r>
-                <a:rPr lang="es-CO" dirty="0" smtClean="0"/>
+                <a:rPr lang="es-CO" dirty="0"/>
                 <a:t>máximo</a:t>
               </a:r>
               <a:endParaRPr lang="en-US" dirty="0"/>
@@ -11376,7 +11113,7 @@
             <a:lstStyle/>
             <a:p>
               <a:r>
-                <a:rPr lang="es-CO" dirty="0" smtClean="0"/>
+                <a:rPr lang="es-CO" dirty="0"/>
                 <a:t>Capacidad</a:t>
               </a:r>
               <a:endParaRPr lang="en-US" dirty="0"/>
@@ -11476,7 +11213,7 @@
             <a:lstStyle/>
             <a:p>
               <a:r>
-                <a:rPr lang="es-CO" dirty="0" smtClean="0"/>
+                <a:rPr lang="es-CO" dirty="0"/>
                 <a:t>1</a:t>
               </a:r>
               <a:endParaRPr lang="en-US" dirty="0"/>
@@ -11536,7 +11273,7 @@
             <a:lstStyle/>
             <a:p>
               <a:r>
-                <a:rPr lang="es-CO" dirty="0" smtClean="0"/>
+                <a:rPr lang="es-CO" dirty="0"/>
                 <a:t>1</a:t>
               </a:r>
               <a:endParaRPr lang="en-US" dirty="0"/>
@@ -11596,7 +11333,7 @@
             <a:lstStyle/>
             <a:p>
               <a:r>
-                <a:rPr lang="es-CO" dirty="0" smtClean="0"/>
+                <a:rPr lang="es-CO" dirty="0"/>
                 <a:t>demanda</a:t>
               </a:r>
               <a:endParaRPr lang="en-US" dirty="0"/>
@@ -11626,7 +11363,7 @@
             <a:lstStyle/>
             <a:p>
               <a:r>
-                <a:rPr lang="es-CO" dirty="0" smtClean="0"/>
+                <a:rPr lang="es-CO" dirty="0"/>
                 <a:t>y</a:t>
               </a:r>
               <a:endParaRPr lang="en-US" dirty="0"/>
@@ -11656,7 +11393,7 @@
             <a:lstStyle/>
             <a:p>
               <a:r>
-                <a:rPr lang="es-CO" dirty="0" smtClean="0"/>
+                <a:rPr lang="es-CO" dirty="0"/>
                 <a:t>x</a:t>
               </a:r>
               <a:endParaRPr lang="en-US" dirty="0"/>
@@ -12014,25 +11751,7 @@
                 </a:solidFill>
                 <a:latin typeface="Arial Narrow" panose="020B0606020202030204" pitchFamily="34" charset="0"/>
               </a:rPr>
-              <a:t>b</a:t>
-            </a:r>
-            <a:r>
-              <a:rPr lang="es-CO" b="1" dirty="0" smtClean="0">
-                <a:solidFill>
-                  <a:srgbClr val="002060"/>
-                </a:solidFill>
-                <a:latin typeface="Arial Narrow" panose="020B0606020202030204" pitchFamily="34" charset="0"/>
-              </a:rPr>
-              <a:t>-1</a:t>
-            </a:r>
-            <a:r>
-              <a:rPr lang="es-CO" b="1" dirty="0">
-                <a:solidFill>
-                  <a:srgbClr val="002060"/>
-                </a:solidFill>
-                <a:latin typeface="Arial Narrow" panose="020B0606020202030204" pitchFamily="34" charset="0"/>
-              </a:rPr>
-              <a:t>) ¿Cómo te imaginas la solución funcional del problema? </a:t>
+              <a:t>b-1) ¿Cómo te imaginas la solución funcional del problema? </a:t>
             </a:r>
             <a:endParaRPr lang="en-US" dirty="0">
               <a:solidFill>
@@ -12073,7 +11792,7 @@
               </a:spcAft>
             </a:pPr>
             <a:r>
-              <a:rPr lang="es-CO" dirty="0" smtClean="0">
+              <a:rPr lang="es-CO" dirty="0">
                 <a:latin typeface="Arial Narrow" panose="020B0606020202030204" pitchFamily="34" charset="0"/>
                 <a:ea typeface="Calibri" panose="020F0502020204030204" pitchFamily="34" charset="0"/>
                 <a:cs typeface="Times New Roman" panose="02020603050405020304" pitchFamily="18" charset="0"/>
@@ -12161,7 +11880,7 @@
               </a:spcAft>
             </a:pPr>
             <a:r>
-              <a:rPr lang="es-CO" dirty="0" smtClean="0">
+              <a:rPr lang="es-CO" dirty="0">
                 <a:latin typeface="Arial Narrow" panose="020B0606020202030204" pitchFamily="34" charset="0"/>
               </a:rPr>
               <a:t>No superar una cuota de indisponibilidad por máquina expendedora (mínimo de operación)</a:t>
@@ -12199,7 +11918,7 @@
               </a:spcAft>
             </a:pPr>
             <a:r>
-              <a:rPr lang="es-CO" dirty="0" smtClean="0">
+              <a:rPr lang="es-CO" dirty="0">
                 <a:latin typeface="Arial Narrow" panose="020B0606020202030204" pitchFamily="34" charset="0"/>
               </a:rPr>
               <a:t>Mantener la demanda, abasteciendo oportunamente</a:t>
@@ -12255,7 +11974,7 @@
           <a:p>
             <a:pPr algn="ctr"/>
             <a:r>
-              <a:rPr lang="es-CO" dirty="0" smtClean="0"/>
+              <a:rPr lang="es-CO" dirty="0"/>
               <a:t>1</a:t>
             </a:r>
             <a:endParaRPr lang="en-US" dirty="0"/>
@@ -12305,7 +12024,7 @@
           <a:p>
             <a:pPr algn="ctr"/>
             <a:r>
-              <a:rPr lang="es-CO" dirty="0" smtClean="0"/>
+              <a:rPr lang="es-CO" dirty="0"/>
               <a:t>2</a:t>
             </a:r>
             <a:endParaRPr lang="en-US" dirty="0"/>
@@ -12395,13 +12114,7 @@
               <a:rPr lang="es-CO" dirty="0">
                 <a:latin typeface="Arial Narrow" panose="020B0606020202030204" pitchFamily="34" charset="0"/>
               </a:rPr>
-              <a:t>Se puede proponer una optimización lineal con las siguientes </a:t>
-            </a:r>
-            <a:r>
-              <a:rPr lang="es-CO" dirty="0" smtClean="0">
-                <a:latin typeface="Arial Narrow" panose="020B0606020202030204" pitchFamily="34" charset="0"/>
-              </a:rPr>
-              <a:t>premisas:</a:t>
+              <a:t>Se puede proponer una optimización lineal con las siguientes premisas:</a:t>
             </a:r>
             <a:endParaRPr lang="en-US" dirty="0">
               <a:latin typeface="Arial Narrow" panose="020B0606020202030204" pitchFamily="34" charset="0"/>
@@ -12434,21 +12147,13 @@
           <a:p>
             <a:r>
               <a:rPr lang="es-CO" dirty="0"/>
-              <a:t>x = cantidad de </a:t>
-            </a:r>
-            <a:r>
-              <a:rPr lang="es-CO" dirty="0" smtClean="0"/>
-              <a:t>envíos</a:t>
+              <a:t>x = cantidad de envíos</a:t>
             </a:r>
           </a:p>
           <a:p>
             <a:r>
               <a:rPr lang="es-CO" dirty="0"/>
-              <a:t>y = cantidad de paletas </a:t>
-            </a:r>
-            <a:r>
-              <a:rPr lang="es-CO" dirty="0" smtClean="0"/>
-              <a:t>a surtir</a:t>
+              <a:t>y = cantidad de paletas a surtir</a:t>
             </a:r>
           </a:p>
           <a:p>
@@ -12476,11 +12181,7 @@
             </a:r>
             <a:r>
               <a:rPr lang="es-CO" dirty="0"/>
-              <a:t> = cantidad de paletas retiradas de la </a:t>
-            </a:r>
-            <a:r>
-              <a:rPr lang="es-CO" dirty="0" smtClean="0"/>
-              <a:t>maquina al final del día</a:t>
+              <a:t> = cantidad de paletas retiradas de la maquina al final del día</a:t>
             </a:r>
             <a:endParaRPr lang="en-US" dirty="0"/>
           </a:p>
@@ -12914,25 +12615,7 @@
                 </a:solidFill>
                 <a:latin typeface="Arial Narrow" panose="020B0606020202030204" pitchFamily="34" charset="0"/>
               </a:rPr>
-              <a:t>b</a:t>
-            </a:r>
-            <a:r>
-              <a:rPr lang="es-CO" b="1" dirty="0" smtClean="0">
-                <a:solidFill>
-                  <a:srgbClr val="002060"/>
-                </a:solidFill>
-                <a:latin typeface="Arial Narrow" panose="020B0606020202030204" pitchFamily="34" charset="0"/>
-              </a:rPr>
-              <a:t>-1</a:t>
-            </a:r>
-            <a:r>
-              <a:rPr lang="es-CO" b="1" dirty="0">
-                <a:solidFill>
-                  <a:srgbClr val="002060"/>
-                </a:solidFill>
-                <a:latin typeface="Arial Narrow" panose="020B0606020202030204" pitchFamily="34" charset="0"/>
-              </a:rPr>
-              <a:t>) ¿Cómo te imaginas la solución funcional del problema? </a:t>
+              <a:t>b-1) ¿Cómo te imaginas la solución funcional del problema? </a:t>
             </a:r>
             <a:endParaRPr lang="en-US" dirty="0">
               <a:solidFill>
@@ -12973,7 +12656,7 @@
               </a:spcAft>
             </a:pPr>
             <a:r>
-              <a:rPr lang="es-CO" dirty="0" smtClean="0">
+              <a:rPr lang="es-CO" dirty="0">
                 <a:latin typeface="Arial Narrow" panose="020B0606020202030204" pitchFamily="34" charset="0"/>
                 <a:ea typeface="Calibri" panose="020F0502020204030204" pitchFamily="34" charset="0"/>
                 <a:cs typeface="Times New Roman" panose="02020603050405020304" pitchFamily="18" charset="0"/>
@@ -12988,8 +12671,8 @@
           </a:p>
         </p:txBody>
       </p:sp>
-      <mc:AlternateContent xmlns:mc="http://schemas.openxmlformats.org/markup-compatibility/2006">
-        <mc:Choice xmlns:a14="http://schemas.microsoft.com/office/drawing/2010/main" Requires="a14">
+      <mc:AlternateContent xmlns:mc="http://schemas.openxmlformats.org/markup-compatibility/2006" xmlns:a14="http://schemas.microsoft.com/office/drawing/2010/main">
+        <mc:Choice Requires="a14">
           <p:sp>
             <p:nvSpPr>
               <p:cNvPr id="3" name="CuadroTexto 2"/>
@@ -13012,6 +12695,7 @@
               </a:bodyPr>
               <a:lstStyle/>
               <a:p>
+                <a:pPr/>
                 <a14:m>
                   <m:oMathPara xmlns:m="http://schemas.openxmlformats.org/officeDocument/2006/math">
                     <m:oMathParaPr>
@@ -13085,7 +12769,7 @@
             </p:txBody>
           </p:sp>
         </mc:Choice>
-        <mc:Fallback>
+        <mc:Fallback xmlns="">
           <p:sp>
             <p:nvSpPr>
               <p:cNvPr id="3" name="CuadroTexto 2"/>
@@ -13195,7 +12879,7 @@
               </a:spcAft>
             </a:pPr>
             <a:r>
-              <a:rPr lang="es-CO" sz="1200" dirty="0" smtClean="0">
+              <a:rPr lang="es-CO" sz="1200" dirty="0">
                 <a:latin typeface="Arial Narrow" panose="020B0606020202030204" pitchFamily="34" charset="0"/>
                 <a:ea typeface="Calibri" panose="020F0502020204030204" pitchFamily="34" charset="0"/>
                 <a:cs typeface="Times New Roman" panose="02020603050405020304" pitchFamily="18" charset="0"/>
@@ -13240,7 +12924,7 @@
               </a:spcAft>
             </a:pPr>
             <a:r>
-              <a:rPr lang="es-CO" dirty="0" smtClean="0">
+              <a:rPr lang="es-CO" dirty="0">
                 <a:latin typeface="Arial Narrow" panose="020B0606020202030204" pitchFamily="34" charset="0"/>
                 <a:ea typeface="Calibri" panose="020F0502020204030204" pitchFamily="34" charset="0"/>
                 <a:cs typeface="Times New Roman" panose="02020603050405020304" pitchFamily="18" charset="0"/>
@@ -13255,8 +12939,8 @@
           </a:p>
         </p:txBody>
       </p:sp>
-      <mc:AlternateContent xmlns:mc="http://schemas.openxmlformats.org/markup-compatibility/2006">
-        <mc:Choice xmlns:a14="http://schemas.microsoft.com/office/drawing/2010/main" Requires="a14">
+      <mc:AlternateContent xmlns:mc="http://schemas.openxmlformats.org/markup-compatibility/2006" xmlns:a14="http://schemas.microsoft.com/office/drawing/2010/main">
+        <mc:Choice Requires="a14">
           <p:sp>
             <p:nvSpPr>
               <p:cNvPr id="28" name="CuadroTexto 27"/>
@@ -13279,6 +12963,7 @@
               </a:bodyPr>
               <a:lstStyle/>
               <a:p>
+                <a:pPr/>
                 <a14:m>
                   <m:oMathPara xmlns:m="http://schemas.openxmlformats.org/officeDocument/2006/math">
                     <m:oMathParaPr>
@@ -13311,7 +12996,7 @@
             </p:txBody>
           </p:sp>
         </mc:Choice>
-        <mc:Fallback>
+        <mc:Fallback xmlns="">
           <p:sp>
             <p:nvSpPr>
               <p:cNvPr id="28" name="CuadroTexto 27"/>
@@ -13380,7 +13065,7 @@
               </a:spcAft>
             </a:pPr>
             <a:r>
-              <a:rPr lang="es-CO" sz="1200" dirty="0" smtClean="0">
+              <a:rPr lang="es-CO" sz="1200" dirty="0">
                 <a:latin typeface="Arial Narrow" panose="020B0606020202030204" pitchFamily="34" charset="0"/>
                 <a:ea typeface="Calibri" panose="020F0502020204030204" pitchFamily="34" charset="0"/>
                 <a:cs typeface="Times New Roman" panose="02020603050405020304" pitchFamily="18" charset="0"/>
@@ -13395,8 +13080,8 @@
           </a:p>
         </p:txBody>
       </p:sp>
-      <mc:AlternateContent xmlns:mc="http://schemas.openxmlformats.org/markup-compatibility/2006">
-        <mc:Choice xmlns:a14="http://schemas.microsoft.com/office/drawing/2010/main" Requires="a14">
+      <mc:AlternateContent xmlns:mc="http://schemas.openxmlformats.org/markup-compatibility/2006" xmlns:a14="http://schemas.microsoft.com/office/drawing/2010/main">
+        <mc:Choice Requires="a14">
           <p:sp>
             <p:nvSpPr>
               <p:cNvPr id="30" name="CuadroTexto 29"/>
@@ -13419,6 +13104,7 @@
               </a:bodyPr>
               <a:lstStyle/>
               <a:p>
+                <a:pPr/>
                 <a14:m>
                   <m:oMathPara xmlns:m="http://schemas.openxmlformats.org/officeDocument/2006/math">
                     <m:oMathParaPr>
@@ -13463,7 +13149,7 @@
             </p:txBody>
           </p:sp>
         </mc:Choice>
-        <mc:Fallback>
+        <mc:Fallback xmlns="">
           <p:sp>
             <p:nvSpPr>
               <p:cNvPr id="30" name="CuadroTexto 29"/>
@@ -13502,8 +13188,8 @@
           </p:sp>
         </mc:Fallback>
       </mc:AlternateContent>
-      <mc:AlternateContent xmlns:mc="http://schemas.openxmlformats.org/markup-compatibility/2006">
-        <mc:Choice xmlns:a14="http://schemas.microsoft.com/office/drawing/2010/main" Requires="a14">
+      <mc:AlternateContent xmlns:mc="http://schemas.openxmlformats.org/markup-compatibility/2006" xmlns:a14="http://schemas.microsoft.com/office/drawing/2010/main">
+        <mc:Choice Requires="a14">
           <p:sp>
             <p:nvSpPr>
               <p:cNvPr id="31" name="CuadroTexto 30"/>
@@ -13526,6 +13212,7 @@
               </a:bodyPr>
               <a:lstStyle/>
               <a:p>
+                <a:pPr/>
                 <a14:m>
                   <m:oMathPara xmlns:m="http://schemas.openxmlformats.org/officeDocument/2006/math">
                     <m:oMathParaPr>
@@ -13575,7 +13262,7 @@
             </p:txBody>
           </p:sp>
         </mc:Choice>
-        <mc:Fallback>
+        <mc:Fallback xmlns="">
           <p:sp>
             <p:nvSpPr>
               <p:cNvPr id="31" name="CuadroTexto 30"/>
@@ -13644,7 +13331,7 @@
               </a:spcAft>
             </a:pPr>
             <a:r>
-              <a:rPr lang="es-CO" sz="1200" dirty="0" smtClean="0">
+              <a:rPr lang="es-CO" sz="1200" dirty="0">
                 <a:latin typeface="Arial Narrow" panose="020B0606020202030204" pitchFamily="34" charset="0"/>
                 <a:ea typeface="Calibri" panose="020F0502020204030204" pitchFamily="34" charset="0"/>
                 <a:cs typeface="Times New Roman" panose="02020603050405020304" pitchFamily="18" charset="0"/>
@@ -13659,8 +13346,8 @@
           </a:p>
         </p:txBody>
       </p:sp>
-      <mc:AlternateContent xmlns:mc="http://schemas.openxmlformats.org/markup-compatibility/2006">
-        <mc:Choice xmlns:a14="http://schemas.microsoft.com/office/drawing/2010/main" Requires="a14">
+      <mc:AlternateContent xmlns:mc="http://schemas.openxmlformats.org/markup-compatibility/2006" xmlns:a14="http://schemas.microsoft.com/office/drawing/2010/main">
+        <mc:Choice Requires="a14">
           <p:sp>
             <p:nvSpPr>
               <p:cNvPr id="33" name="CuadroTexto 32"/>
@@ -13683,6 +13370,7 @@
               </a:bodyPr>
               <a:lstStyle/>
               <a:p>
+                <a:pPr/>
                 <a14:m>
                   <m:oMathPara xmlns:m="http://schemas.openxmlformats.org/officeDocument/2006/math">
                     <m:oMathParaPr>
@@ -13733,7 +13421,7 @@
             </p:txBody>
           </p:sp>
         </mc:Choice>
-        <mc:Fallback>
+        <mc:Fallback xmlns="">
           <p:sp>
             <p:nvSpPr>
               <p:cNvPr id="33" name="CuadroTexto 32"/>
@@ -13813,8 +13501,8 @@
           </a:p>
         </p:txBody>
       </p:sp>
-      <mc:AlternateContent xmlns:mc="http://schemas.openxmlformats.org/markup-compatibility/2006">
-        <mc:Choice xmlns:a14="http://schemas.microsoft.com/office/drawing/2010/main" Requires="a14">
+      <mc:AlternateContent xmlns:mc="http://schemas.openxmlformats.org/markup-compatibility/2006" xmlns:a14="http://schemas.microsoft.com/office/drawing/2010/main">
+        <mc:Choice Requires="a14">
           <p:sp>
             <p:nvSpPr>
               <p:cNvPr id="35" name="CuadroTexto 34"/>
@@ -13838,7 +13526,7 @@
               <a:lstStyle/>
               <a:p>
                 <a:r>
-                  <a:rPr lang="es-CO" dirty="0" smtClean="0"/>
+                  <a:rPr lang="es-CO" dirty="0"/>
                   <a:t>x </a:t>
                 </a:r>
                 <a14:m>
@@ -13862,7 +13550,7 @@
             </p:txBody>
           </p:sp>
         </mc:Choice>
-        <mc:Fallback>
+        <mc:Fallback xmlns="">
           <p:sp>
             <p:nvSpPr>
               <p:cNvPr id="35" name="CuadroTexto 34"/>
@@ -13931,7 +13619,7 @@
               </a:spcAft>
             </a:pPr>
             <a:r>
-              <a:rPr lang="es-CO" sz="1200" dirty="0" smtClean="0"/>
+              <a:rPr lang="es-CO" sz="1200" dirty="0"/>
               <a:t>Lo que significa que la cantidad de envíos no puede superar a la cantidad de paletas que soporta la maquina (también existe el caso extremo de llevar solo una paleta a la maquina)</a:t>
             </a:r>
             <a:endParaRPr lang="en-US" sz="1200" dirty="0">
@@ -13942,8 +13630,8 @@
           </a:p>
         </p:txBody>
       </p:sp>
-      <mc:AlternateContent xmlns:mc="http://schemas.openxmlformats.org/markup-compatibility/2006">
-        <mc:Choice xmlns:a14="http://schemas.microsoft.com/office/drawing/2010/main" Requires="a14">
+      <mc:AlternateContent xmlns:mc="http://schemas.openxmlformats.org/markup-compatibility/2006" xmlns:a14="http://schemas.microsoft.com/office/drawing/2010/main">
+        <mc:Choice Requires="a14">
           <p:sp>
             <p:nvSpPr>
               <p:cNvPr id="37" name="CuadroTexto 36"/>
@@ -13966,6 +13654,7 @@
               </a:bodyPr>
               <a:lstStyle/>
               <a:p>
+                <a:pPr/>
                 <a14:m>
                   <m:oMathPara xmlns:m="http://schemas.openxmlformats.org/officeDocument/2006/math">
                     <m:oMathParaPr>
@@ -13992,7 +13681,7 @@
             </p:txBody>
           </p:sp>
         </mc:Choice>
-        <mc:Fallback>
+        <mc:Fallback xmlns="">
           <p:sp>
             <p:nvSpPr>
               <p:cNvPr id="37" name="CuadroTexto 36"/>
@@ -14031,8 +13720,8 @@
           </p:sp>
         </mc:Fallback>
       </mc:AlternateContent>
-      <mc:AlternateContent xmlns:mc="http://schemas.openxmlformats.org/markup-compatibility/2006">
-        <mc:Choice xmlns:a14="http://schemas.microsoft.com/office/drawing/2010/main" Requires="a14">
+      <mc:AlternateContent xmlns:mc="http://schemas.openxmlformats.org/markup-compatibility/2006" xmlns:a14="http://schemas.microsoft.com/office/drawing/2010/main">
+        <mc:Choice Requires="a14">
           <p:sp>
             <p:nvSpPr>
               <p:cNvPr id="38" name="CuadroTexto 37"/>
@@ -14055,6 +13744,7 @@
               </a:bodyPr>
               <a:lstStyle/>
               <a:p>
+                <a:pPr/>
                 <a14:m>
                   <m:oMathPara xmlns:m="http://schemas.openxmlformats.org/officeDocument/2006/math">
                     <m:oMathParaPr>
@@ -14081,7 +13771,7 @@
             </p:txBody>
           </p:sp>
         </mc:Choice>
-        <mc:Fallback>
+        <mc:Fallback xmlns="">
           <p:sp>
             <p:nvSpPr>
               <p:cNvPr id="38" name="CuadroTexto 37"/>
@@ -14150,7 +13840,7 @@
               </a:spcAft>
             </a:pPr>
             <a:r>
-              <a:rPr lang="es-CO" sz="1200" dirty="0" smtClean="0">
+              <a:rPr lang="es-CO" sz="1200" dirty="0">
                 <a:latin typeface="Arial Narrow" panose="020B0606020202030204" pitchFamily="34" charset="0"/>
                 <a:ea typeface="Calibri" panose="020F0502020204030204" pitchFamily="34" charset="0"/>
                 <a:cs typeface="Times New Roman" panose="02020603050405020304" pitchFamily="18" charset="0"/>
@@ -14231,7 +13921,7 @@
               </a:spcAft>
             </a:pPr>
             <a:r>
-              <a:rPr lang="es-CO" sz="1200" dirty="0" smtClean="0">
+              <a:rPr lang="es-CO" sz="1200" dirty="0">
                 <a:latin typeface="Arial Narrow" panose="020B0606020202030204" pitchFamily="34" charset="0"/>
                 <a:ea typeface="Calibri" panose="020F0502020204030204" pitchFamily="34" charset="0"/>
                 <a:cs typeface="Times New Roman" panose="02020603050405020304" pitchFamily="18" charset="0"/>
@@ -14626,7 +14316,7 @@
           <a:p>
             <a:pPr lvl="0"/>
             <a:r>
-              <a:rPr lang="es-CO" b="1" dirty="0" smtClean="0">
+              <a:rPr lang="es-CO" b="1" dirty="0">
                 <a:solidFill>
                   <a:srgbClr val="002060"/>
                 </a:solidFill>
@@ -14673,7 +14363,7 @@
               </a:spcAft>
             </a:pPr>
             <a:r>
-              <a:rPr lang="es-CO" dirty="0" smtClean="0">
+              <a:rPr lang="es-CO" dirty="0">
                 <a:latin typeface="Arial Narrow" panose="020B0606020202030204" pitchFamily="34" charset="0"/>
                 <a:ea typeface="Calibri" panose="020F0502020204030204" pitchFamily="34" charset="0"/>
                 <a:cs typeface="Times New Roman" panose="02020603050405020304" pitchFamily="18" charset="0"/>
@@ -14725,7 +14415,7 @@
           <a:p>
             <a:pPr algn="ctr"/>
             <a:r>
-              <a:rPr lang="es-CO" dirty="0" smtClean="0"/>
+              <a:rPr lang="es-CO" dirty="0"/>
               <a:t>Parte Fija</a:t>
             </a:r>
             <a:endParaRPr lang="en-US" dirty="0"/>
@@ -14772,7 +14462,7 @@
               <a:buChar char="•"/>
             </a:pPr>
             <a:r>
-              <a:rPr lang="es-CO" dirty="0" smtClean="0"/>
+              <a:rPr lang="es-CO" dirty="0"/>
               <a:t>Función de costos</a:t>
             </a:r>
           </a:p>
@@ -14782,7 +14472,7 @@
               <a:buChar char="•"/>
             </a:pPr>
             <a:r>
-              <a:rPr lang="es-CO" dirty="0" smtClean="0"/>
+              <a:rPr lang="es-CO" dirty="0"/>
               <a:t>Valor del trasporte</a:t>
             </a:r>
           </a:p>
@@ -14792,7 +14482,7 @@
               <a:buChar char="•"/>
             </a:pPr>
             <a:r>
-              <a:rPr lang="es-CO" dirty="0" smtClean="0"/>
+              <a:rPr lang="es-CO" dirty="0"/>
               <a:t>Valor del consumo energético por paleta</a:t>
             </a:r>
           </a:p>
@@ -14802,7 +14492,7 @@
               <a:buChar char="•"/>
             </a:pPr>
             <a:r>
-              <a:rPr lang="es-CO" dirty="0" smtClean="0"/>
+              <a:rPr lang="es-CO" dirty="0"/>
               <a:t>Cantidad mínima de operación de las maquinas</a:t>
             </a:r>
             <a:endParaRPr lang="en-US" dirty="0"/>
@@ -14846,7 +14536,7 @@
           <a:p>
             <a:pPr algn="ctr"/>
             <a:r>
-              <a:rPr lang="es-CO" dirty="0" smtClean="0"/>
+              <a:rPr lang="es-CO" dirty="0"/>
               <a:t>Parte Variable</a:t>
             </a:r>
             <a:endParaRPr lang="en-US" dirty="0"/>
@@ -14893,7 +14583,7 @@
               <a:buChar char="•"/>
             </a:pPr>
             <a:r>
-              <a:rPr lang="es-CO" dirty="0" smtClean="0"/>
+              <a:rPr lang="es-CO" dirty="0"/>
               <a:t>Cantidad de envíos (Gasto de trasporte)</a:t>
             </a:r>
           </a:p>
@@ -14903,7 +14593,7 @@
               <a:buChar char="•"/>
             </a:pPr>
             <a:r>
-              <a:rPr lang="es-CO" dirty="0" smtClean="0"/>
+              <a:rPr lang="es-CO" dirty="0"/>
               <a:t>Cantidad de paletas a dispensar (Gasto energético)</a:t>
             </a:r>
           </a:p>
@@ -14913,7 +14603,7 @@
               <a:buChar char="•"/>
             </a:pPr>
             <a:r>
-              <a:rPr lang="es-CO" dirty="0" smtClean="0"/>
+              <a:rPr lang="es-CO" dirty="0"/>
               <a:t>Condiciones de abastecimiento para satisfacer demanda</a:t>
             </a:r>
           </a:p>
@@ -15299,7 +14989,7 @@
           <a:p>
             <a:pPr lvl="0"/>
             <a:r>
-              <a:rPr lang="es-CO" b="1" dirty="0" smtClean="0">
+              <a:rPr lang="es-CO" b="1" dirty="0">
                 <a:solidFill>
                   <a:srgbClr val="002060"/>
                 </a:solidFill>
@@ -15346,7 +15036,7 @@
               </a:spcAft>
             </a:pPr>
             <a:r>
-              <a:rPr lang="es-CO" dirty="0" smtClean="0">
+              <a:rPr lang="es-CO" dirty="0">
                 <a:latin typeface="Arial Narrow" panose="020B0606020202030204" pitchFamily="34" charset="0"/>
                 <a:ea typeface="Calibri" panose="020F0502020204030204" pitchFamily="34" charset="0"/>
                 <a:cs typeface="Times New Roman" panose="02020603050405020304" pitchFamily="18" charset="0"/>
@@ -15398,7 +15088,7 @@
           <a:p>
             <a:pPr algn="ctr"/>
             <a:r>
-              <a:rPr lang="es-CO" sz="2800" dirty="0" smtClean="0"/>
+              <a:rPr lang="es-CO" sz="2800" dirty="0"/>
               <a:t>Parte Variable</a:t>
             </a:r>
             <a:endParaRPr lang="en-US" sz="2800" dirty="0"/>
@@ -15442,7 +15132,7 @@
           <a:p>
             <a:pPr algn="ctr"/>
             <a:r>
-              <a:rPr lang="es-CO" sz="2800" dirty="0" smtClean="0"/>
+              <a:rPr lang="es-CO" sz="2800" dirty="0"/>
               <a:t>Parte Fija</a:t>
             </a:r>
             <a:endParaRPr lang="en-US" sz="2800" dirty="0"/>
@@ -15489,7 +15179,7 @@
           <a:p>
             <a:pPr algn="ctr"/>
             <a:r>
-              <a:rPr lang="es-CO" dirty="0" smtClean="0"/>
+              <a:rPr lang="es-CO" dirty="0"/>
               <a:t>Restricciones</a:t>
             </a:r>
             <a:endParaRPr lang="en-US" dirty="0"/>
@@ -15526,7 +15216,7 @@
               </a:spcAft>
             </a:pPr>
             <a:r>
-              <a:rPr lang="es-CO" dirty="0" smtClean="0">
+              <a:rPr lang="es-CO" dirty="0">
                 <a:latin typeface="Arial Narrow" panose="020B0606020202030204" pitchFamily="34" charset="0"/>
                 <a:ea typeface="Calibri" panose="020F0502020204030204" pitchFamily="34" charset="0"/>
                 <a:cs typeface="Times New Roman" panose="02020603050405020304" pitchFamily="18" charset="0"/>
@@ -15544,7 +15234,7 @@
               </a:spcAft>
             </a:pPr>
             <a:r>
-              <a:rPr lang="es-CO" dirty="0" smtClean="0">
+              <a:rPr lang="es-CO" dirty="0">
                 <a:latin typeface="Arial Narrow" panose="020B0606020202030204" pitchFamily="34" charset="0"/>
                 <a:ea typeface="Calibri" panose="020F0502020204030204" pitchFamily="34" charset="0"/>
                 <a:cs typeface="Times New Roman" panose="02020603050405020304" pitchFamily="18" charset="0"/>
@@ -15562,7 +15252,7 @@
               </a:spcAft>
             </a:pPr>
             <a:r>
-              <a:rPr lang="es-CO" dirty="0" smtClean="0">
+              <a:rPr lang="es-CO" dirty="0">
                 <a:latin typeface="Arial Narrow" panose="020B0606020202030204" pitchFamily="34" charset="0"/>
                 <a:ea typeface="Calibri" panose="020F0502020204030204" pitchFamily="34" charset="0"/>
                 <a:cs typeface="Times New Roman" panose="02020603050405020304" pitchFamily="18" charset="0"/>
@@ -15580,7 +15270,7 @@
               </a:spcAft>
             </a:pPr>
             <a:r>
-              <a:rPr lang="es-CO" dirty="0" smtClean="0">
+              <a:rPr lang="es-CO" dirty="0">
                 <a:latin typeface="Arial Narrow" panose="020B0606020202030204" pitchFamily="34" charset="0"/>
                 <a:ea typeface="Calibri" panose="020F0502020204030204" pitchFamily="34" charset="0"/>
                 <a:cs typeface="Times New Roman" panose="02020603050405020304" pitchFamily="18" charset="0"/>
@@ -15598,7 +15288,7 @@
               </a:spcAft>
             </a:pPr>
             <a:r>
-              <a:rPr lang="es-CO" dirty="0" smtClean="0">
+              <a:rPr lang="es-CO" dirty="0">
                 <a:latin typeface="Arial Narrow" panose="020B0606020202030204" pitchFamily="34" charset="0"/>
                 <a:ea typeface="Calibri" panose="020F0502020204030204" pitchFamily="34" charset="0"/>
                 <a:cs typeface="Times New Roman" panose="02020603050405020304" pitchFamily="18" charset="0"/>
@@ -15653,7 +15343,7 @@
               </a:spcAft>
             </a:pPr>
             <a:r>
-              <a:rPr lang="es-CO" dirty="0" smtClean="0">
+              <a:rPr lang="es-CO" dirty="0">
                 <a:latin typeface="Arial Narrow" panose="020B0606020202030204" pitchFamily="34" charset="0"/>
                 <a:ea typeface="Calibri" panose="020F0502020204030204" pitchFamily="34" charset="0"/>
                 <a:cs typeface="Times New Roman" panose="02020603050405020304" pitchFamily="18" charset="0"/>
@@ -16144,7 +15834,7 @@
           <a:p>
             <a:pPr lvl="0"/>
             <a:r>
-              <a:rPr lang="es-CO" b="1" dirty="0" smtClean="0">
+              <a:rPr lang="es-CO" b="1" dirty="0">
                 <a:solidFill>
                   <a:srgbClr val="002060"/>
                 </a:solidFill>
@@ -16190,24 +15880,8 @@
               <a:buChar char="•"/>
             </a:pPr>
             <a:r>
-              <a:rPr lang="es-CO" dirty="0" smtClean="0"/>
-              <a:t>Paletas disponibles </a:t>
-            </a:r>
-            <a:r>
               <a:rPr lang="es-CO" dirty="0"/>
-              <a:t>en la </a:t>
-            </a:r>
-            <a:r>
-              <a:rPr lang="es-CO" dirty="0" smtClean="0"/>
-              <a:t>maquina por un largo tiempo </a:t>
-            </a:r>
-            <a:r>
-              <a:rPr lang="es-CO" dirty="0"/>
-              <a:t>(paletas que no salieron y siguen consumiendo energía por más de un día</a:t>
-            </a:r>
-            <a:r>
-              <a:rPr lang="es-CO" dirty="0" smtClean="0"/>
-              <a:t>)</a:t>
+              <a:t>Paletas disponibles en la maquina por un largo tiempo (paletas que no salieron y siguen consumiendo energía por más de un día)</a:t>
             </a:r>
           </a:p>
           <a:p>
@@ -16223,16 +15897,8 @@
               <a:buChar char="•"/>
             </a:pPr>
             <a:r>
-              <a:rPr lang="es-CO" dirty="0" smtClean="0"/>
-              <a:t>Alto </a:t>
-            </a:r>
-            <a:r>
               <a:rPr lang="es-CO" dirty="0"/>
-              <a:t>tiempo promedio de permanencia de una paleta por máquina, Dependiendo de los días que la paleta dure en la máquina, así mismo se incrementa la función de </a:t>
-            </a:r>
-            <a:r>
-              <a:rPr lang="es-CO" dirty="0" smtClean="0"/>
-              <a:t>costos</a:t>
+              <a:t>Alto tiempo promedio de permanencia de una paleta por máquina, Dependiendo de los días que la paleta dure en la máquina, así mismo se incrementa la función de costos</a:t>
             </a:r>
           </a:p>
           <a:p>
@@ -16295,19 +15961,18 @@
           <a:lstStyle/>
           <a:p>
             <a:r>
-              <a:rPr lang="es-CO" dirty="0" smtClean="0"/>
+              <a:rPr lang="es-CO" dirty="0"/>
               <a:t>El supuesto principal es que la función solo considera los costos de envío y conservación de las paletas para un mismo día, es decir, el día de envío, considerando un escenario de alta rotación (rotación diaria)</a:t>
             </a:r>
           </a:p>
           <a:p>
-            <a:endParaRPr lang="es-CO" dirty="0" smtClean="0"/>
-          </a:p>
-          <a:p>
-            <a:r>
-              <a:rPr lang="es-CO" dirty="0" smtClean="0"/>
+            <a:endParaRPr lang="es-CO" dirty="0"/>
+          </a:p>
+          <a:p>
+            <a:r>
+              <a:rPr lang="es-CO" dirty="0"/>
               <a:t>Se puede presentar las siguientes consideraciones:</a:t>
             </a:r>
-            <a:endParaRPr lang="es-CO" dirty="0" smtClean="0"/>
           </a:p>
         </p:txBody>
       </p:sp>
@@ -16851,7 +16516,7 @@
           <a:p>
             <a:pPr lvl="0"/>
             <a:r>
-              <a:rPr lang="es-CO" b="1" dirty="0" smtClean="0">
+              <a:rPr lang="es-CO" b="1" dirty="0">
                 <a:solidFill>
                   <a:srgbClr val="002060"/>
                 </a:solidFill>
@@ -16897,15 +16562,14 @@
           </a:p>
           <a:p>
             <a:r>
-              <a:rPr lang="es-CO" dirty="0" smtClean="0"/>
+              <a:rPr lang="es-CO" dirty="0"/>
               <a:t> </a:t>
             </a:r>
-            <a:endParaRPr lang="es-CO" dirty="0" smtClean="0"/>
-          </a:p>
-        </p:txBody>
-      </p:sp>
-      <mc:AlternateContent xmlns:mc="http://schemas.openxmlformats.org/markup-compatibility/2006">
-        <mc:Choice xmlns:a14="http://schemas.microsoft.com/office/drawing/2010/main" Requires="a14">
+          </a:p>
+        </p:txBody>
+      </p:sp>
+      <mc:AlternateContent xmlns:mc="http://schemas.openxmlformats.org/markup-compatibility/2006" xmlns:a14="http://schemas.microsoft.com/office/drawing/2010/main">
+        <mc:Choice Requires="a14">
           <p:sp>
             <p:nvSpPr>
               <p:cNvPr id="23" name="CuadroTexto 22"/>
@@ -17036,6 +16700,7 @@
                         <m:sty m:val="p"/>
                       </m:rPr>
                       <a:rPr lang="en-US" dirty="0">
+                        <a:latin typeface="Cambria Math" panose="02040503050406030204" pitchFamily="18" charset="0"/>
                         <a:ea typeface="Cambria Math" panose="02040503050406030204" pitchFamily="18" charset="0"/>
                       </a:rPr>
                       <m:t>β</m:t>
@@ -17043,15 +16708,14 @@
                   </m:oMath>
                 </a14:m>
                 <a:r>
-                  <a:rPr lang="en-US" dirty="0" smtClean="0"/>
+                  <a:rPr lang="en-US" dirty="0"/>
                   <a:t>(s)</a:t>
                 </a:r>
-                <a:endParaRPr lang="en-US" dirty="0"/>
               </a:p>
             </p:txBody>
           </p:sp>
         </mc:Choice>
-        <mc:Fallback>
+        <mc:Fallback xmlns="">
           <p:sp>
             <p:nvSpPr>
               <p:cNvPr id="23" name="CuadroTexto 22"/>
@@ -17153,22 +16817,21 @@
           <a:lstStyle/>
           <a:p>
             <a:r>
-              <a:rPr lang="es-CO" dirty="0" smtClean="0"/>
+              <a:rPr lang="es-CO" dirty="0"/>
               <a:t>Donde adicionalmente:</a:t>
             </a:r>
             <a:endParaRPr lang="en-US" dirty="0"/>
           </a:p>
           <a:p>
             <a:r>
-              <a:rPr lang="es-CO" dirty="0" smtClean="0"/>
+              <a:rPr lang="es-CO" dirty="0"/>
               <a:t> </a:t>
             </a:r>
-            <a:endParaRPr lang="es-CO" dirty="0" smtClean="0"/>
-          </a:p>
-        </p:txBody>
-      </p:sp>
-      <mc:AlternateContent xmlns:mc="http://schemas.openxmlformats.org/markup-compatibility/2006">
-        <mc:Choice xmlns:a14="http://schemas.microsoft.com/office/drawing/2010/main" Requires="a14">
+          </a:p>
+        </p:txBody>
+      </p:sp>
+      <mc:AlternateContent xmlns:mc="http://schemas.openxmlformats.org/markup-compatibility/2006" xmlns:a14="http://schemas.microsoft.com/office/drawing/2010/main">
+        <mc:Choice Requires="a14">
           <p:sp>
             <p:nvSpPr>
               <p:cNvPr id="2" name="Rectángulo 1"/>
@@ -17190,6 +16853,7 @@
               </a:bodyPr>
               <a:lstStyle/>
               <a:p>
+                <a:pPr/>
                 <a14:m>
                   <m:oMathPara xmlns:m="http://schemas.openxmlformats.org/officeDocument/2006/math">
                     <m:oMathParaPr>
@@ -17229,7 +16893,7 @@
             </p:txBody>
           </p:sp>
         </mc:Choice>
-        <mc:Fallback>
+        <mc:Fallback xmlns="">
           <p:sp>
             <p:nvSpPr>
               <p:cNvPr id="2" name="Rectángulo 1"/>
@@ -17293,19 +16957,7 @@
               <a:rPr lang="es-CO" dirty="0">
                 <a:latin typeface="Arial Narrow" panose="020B0606020202030204" pitchFamily="34" charset="0"/>
               </a:rPr>
-              <a:t>Duración promedio </a:t>
-            </a:r>
-            <a:r>
-              <a:rPr lang="es-CO" dirty="0" smtClean="0">
-                <a:latin typeface="Arial Narrow" panose="020B0606020202030204" pitchFamily="34" charset="0"/>
-              </a:rPr>
-              <a:t>en la maquina, en días, por </a:t>
-            </a:r>
-            <a:r>
-              <a:rPr lang="es-CO" dirty="0">
-                <a:latin typeface="Arial Narrow" panose="020B0606020202030204" pitchFamily="34" charset="0"/>
-              </a:rPr>
-              <a:t>paleta</a:t>
+              <a:t>Duración promedio en la maquina, en días, por paleta</a:t>
             </a:r>
             <a:endParaRPr lang="en-US" dirty="0">
               <a:latin typeface="Arial Narrow" panose="020B0606020202030204" pitchFamily="34" charset="0"/>
@@ -17313,8 +16965,8 @@
           </a:p>
         </p:txBody>
       </p:sp>
-      <mc:AlternateContent xmlns:mc="http://schemas.openxmlformats.org/markup-compatibility/2006">
-        <mc:Choice xmlns:a14="http://schemas.microsoft.com/office/drawing/2010/main" Requires="a14">
+      <mc:AlternateContent xmlns:mc="http://schemas.openxmlformats.org/markup-compatibility/2006" xmlns:a14="http://schemas.microsoft.com/office/drawing/2010/main">
+        <mc:Choice Requires="a14">
           <p:sp>
             <p:nvSpPr>
               <p:cNvPr id="3" name="Rectángulo 2"/>
@@ -17351,15 +17003,14 @@
                   </m:oMath>
                 </a14:m>
                 <a:r>
-                  <a:rPr lang="en-US" dirty="0" smtClean="0"/>
+                  <a:rPr lang="en-US" dirty="0"/>
                   <a:t>(s)</a:t>
                 </a:r>
-                <a:endParaRPr lang="en-US" dirty="0"/>
               </a:p>
             </p:txBody>
           </p:sp>
         </mc:Choice>
-        <mc:Fallback>
+        <mc:Fallback xmlns="">
           <p:sp>
             <p:nvSpPr>
               <p:cNvPr id="3" name="Rectángulo 2"/>
@@ -17420,16 +17071,10 @@
           <a:lstStyle/>
           <a:p>
             <a:r>
-              <a:rPr lang="es-CO" dirty="0" smtClean="0">
-                <a:latin typeface="Arial Narrow" panose="020B0606020202030204" pitchFamily="34" charset="0"/>
-              </a:rPr>
-              <a:t>Función </a:t>
-            </a:r>
-            <a:r>
               <a:rPr lang="es-CO" dirty="0">
                 <a:latin typeface="Arial Narrow" panose="020B0606020202030204" pitchFamily="34" charset="0"/>
               </a:rPr>
-              <a:t>de estacionalidad en la temporada (s), que indicaría la proporción de aumento o reducción de los costos según la temporada </a:t>
+              <a:t>Función de estacionalidad en la temporada (s), que indicaría la proporción de aumento o reducción de los costos según la temporada </a:t>
             </a:r>
             <a:endParaRPr lang="en-US" dirty="0">
               <a:latin typeface="Arial Narrow" panose="020B0606020202030204" pitchFamily="34" charset="0"/>
